--- a/LoadTestStart.pptx
+++ b/LoadTestStart.pptx
@@ -8,17 +8,18 @@
     <p:sldId id="256" r:id="rId2"/>
     <p:sldId id="266" r:id="rId3"/>
     <p:sldId id="257" r:id="rId4"/>
-    <p:sldId id="280" r:id="rId5"/>
-    <p:sldId id="279" r:id="rId6"/>
-    <p:sldId id="274" r:id="rId7"/>
+    <p:sldId id="279" r:id="rId5"/>
+    <p:sldId id="274" r:id="rId6"/>
+    <p:sldId id="275" r:id="rId7"/>
     <p:sldId id="273" r:id="rId8"/>
-    <p:sldId id="275" r:id="rId9"/>
-    <p:sldId id="276" r:id="rId10"/>
-    <p:sldId id="277" r:id="rId11"/>
-    <p:sldId id="281" r:id="rId12"/>
-    <p:sldId id="278" r:id="rId13"/>
-    <p:sldId id="271" r:id="rId14"/>
-    <p:sldId id="272" r:id="rId15"/>
+    <p:sldId id="282" r:id="rId9"/>
+    <p:sldId id="283" r:id="rId10"/>
+    <p:sldId id="276" r:id="rId11"/>
+    <p:sldId id="277" r:id="rId12"/>
+    <p:sldId id="281" r:id="rId13"/>
+    <p:sldId id="278" r:id="rId14"/>
+    <p:sldId id="271" r:id="rId15"/>
+    <p:sldId id="272" r:id="rId16"/>
   </p:sldIdLst>
   <p:sldSz cx="9144000" cy="5143500" type="screen16x9"/>
   <p:notesSz cx="6858000" cy="9144000"/>
@@ -746,7 +747,7 @@
             <a:fld id="{2327B46A-A7B0-4439-A631-85FEAA83BA26}" type="datetimeFigureOut">
               <a:rPr lang="ru-RU" smtClean="0"/>
               <a:pPr/>
-              <a:t>22.09.2020</a:t>
+              <a:t>04.10.2020</a:t>
             </a:fld>
             <a:endParaRPr lang="ru-RU" dirty="0"/>
           </a:p>
@@ -944,7 +945,7 @@
             <a:fld id="{2327B46A-A7B0-4439-A631-85FEAA83BA26}" type="datetimeFigureOut">
               <a:rPr lang="ru-RU" smtClean="0"/>
               <a:pPr/>
-              <a:t>22.09.2020</a:t>
+              <a:t>04.10.2020</a:t>
             </a:fld>
             <a:endParaRPr lang="ru-RU" dirty="0"/>
           </a:p>
@@ -1131,7 +1132,7 @@
             <a:fld id="{2327B46A-A7B0-4439-A631-85FEAA83BA26}" type="datetimeFigureOut">
               <a:rPr lang="ru-RU" smtClean="0"/>
               <a:pPr/>
-              <a:t>22.09.2020</a:t>
+              <a:t>04.10.2020</a:t>
             </a:fld>
             <a:endParaRPr lang="ru-RU" dirty="0"/>
           </a:p>
@@ -1283,7 +1284,7 @@
             <a:fld id="{2327B46A-A7B0-4439-A631-85FEAA83BA26}" type="datetimeFigureOut">
               <a:rPr lang="ru-RU" smtClean="0"/>
               <a:pPr/>
-              <a:t>22.09.2020</a:t>
+              <a:t>04.10.2020</a:t>
             </a:fld>
             <a:endParaRPr lang="ru-RU" dirty="0"/>
           </a:p>
@@ -1540,7 +1541,7 @@
             <a:fld id="{2327B46A-A7B0-4439-A631-85FEAA83BA26}" type="datetimeFigureOut">
               <a:rPr lang="ru-RU" smtClean="0"/>
               <a:pPr/>
-              <a:t>22.09.2020</a:t>
+              <a:t>04.10.2020</a:t>
             </a:fld>
             <a:endParaRPr lang="ru-RU" dirty="0"/>
           </a:p>
@@ -1951,7 +1952,7 @@
             <a:fld id="{2327B46A-A7B0-4439-A631-85FEAA83BA26}" type="datetimeFigureOut">
               <a:rPr lang="ru-RU" smtClean="0"/>
               <a:pPr/>
-              <a:t>22.09.2020</a:t>
+              <a:t>04.10.2020</a:t>
             </a:fld>
             <a:endParaRPr lang="ru-RU" dirty="0"/>
           </a:p>
@@ -2399,7 +2400,7 @@
             <a:fld id="{2327B46A-A7B0-4439-A631-85FEAA83BA26}" type="datetimeFigureOut">
               <a:rPr lang="ru-RU" smtClean="0"/>
               <a:pPr/>
-              <a:t>22.09.2020</a:t>
+              <a:t>04.10.2020</a:t>
             </a:fld>
             <a:endParaRPr lang="ru-RU" dirty="0"/>
           </a:p>
@@ -2502,7 +2503,7 @@
             <a:fld id="{2327B46A-A7B0-4439-A631-85FEAA83BA26}" type="datetimeFigureOut">
               <a:rPr lang="ru-RU" smtClean="0"/>
               <a:pPr/>
-              <a:t>22.09.2020</a:t>
+              <a:t>04.10.2020</a:t>
             </a:fld>
             <a:endParaRPr lang="ru-RU" dirty="0"/>
           </a:p>
@@ -2625,7 +2626,7 @@
             <a:fld id="{2327B46A-A7B0-4439-A631-85FEAA83BA26}" type="datetimeFigureOut">
               <a:rPr lang="ru-RU" smtClean="0"/>
               <a:pPr/>
-              <a:t>22.09.2020</a:t>
+              <a:t>04.10.2020</a:t>
             </a:fld>
             <a:endParaRPr lang="ru-RU" dirty="0"/>
           </a:p>
@@ -2901,7 +2902,7 @@
             <a:fld id="{2327B46A-A7B0-4439-A631-85FEAA83BA26}" type="datetimeFigureOut">
               <a:rPr lang="ru-RU" smtClean="0"/>
               <a:pPr/>
-              <a:t>22.09.2020</a:t>
+              <a:t>04.10.2020</a:t>
             </a:fld>
             <a:endParaRPr lang="ru-RU" dirty="0"/>
           </a:p>
@@ -3108,7 +3109,7 @@
             <a:fld id="{2327B46A-A7B0-4439-A631-85FEAA83BA26}" type="datetimeFigureOut">
               <a:rPr lang="ru-RU" smtClean="0"/>
               <a:pPr/>
-              <a:t>22.09.2020</a:t>
+              <a:t>04.10.2020</a:t>
             </a:fld>
             <a:endParaRPr lang="ru-RU" dirty="0"/>
           </a:p>
@@ -4219,7 +4220,7 @@
             <a:fld id="{2327B46A-A7B0-4439-A631-85FEAA83BA26}" type="datetimeFigureOut">
               <a:rPr lang="ru-RU" smtClean="0"/>
               <a:pPr/>
-              <a:t>22.09.2020</a:t>
+              <a:t>04.10.2020</a:t>
             </a:fld>
             <a:endParaRPr lang="ru-RU" dirty="0"/>
           </a:p>
@@ -4732,62 +4733,19 @@
           <a:p>
             <a:r>
               <a:rPr lang="ru-RU" dirty="0" smtClean="0"/>
-              <a:t>Выполнение запроса</a:t>
+              <a:t>Генерация нагрузки</a:t>
             </a:r>
           </a:p>
           <a:p>
             <a:r>
               <a:rPr lang="ru-RU" dirty="0" smtClean="0"/>
-              <a:t>Настройка профиля нагрузки</a:t>
-            </a:r>
-          </a:p>
-          <a:p>
-            <a:pPr lvl="1"/>
+              <a:t>Проверка выполнения запросов</a:t>
+            </a:r>
+          </a:p>
+          <a:p>
             <a:r>
               <a:rPr lang="ru-RU" dirty="0" smtClean="0"/>
-              <a:t>Количество потоков</a:t>
-            </a:r>
-          </a:p>
-          <a:p>
-            <a:pPr lvl="1"/>
-            <a:r>
-              <a:rPr lang="ru-RU" dirty="0" smtClean="0"/>
-              <a:t>Количество повторений</a:t>
-            </a:r>
-          </a:p>
-          <a:p>
-            <a:r>
-              <a:rPr lang="ru-RU" dirty="0" smtClean="0"/>
-              <a:t>Генерация тестовых данных</a:t>
-            </a:r>
-          </a:p>
-          <a:p>
-            <a:pPr lvl="1"/>
-            <a:r>
-              <a:rPr lang="ru-RU" dirty="0" smtClean="0"/>
-              <a:t>Статика</a:t>
-            </a:r>
-          </a:p>
-          <a:p>
-            <a:pPr lvl="1"/>
-            <a:r>
-              <a:rPr lang="ru-RU" dirty="0" smtClean="0"/>
-              <a:t>Генерация кодом</a:t>
-            </a:r>
-          </a:p>
-          <a:p>
-            <a:pPr lvl="1"/>
-            <a:r>
-              <a:rPr lang="ru-RU" dirty="0" smtClean="0"/>
-              <a:t>Из внешнего источника (файл, </a:t>
-            </a:r>
-            <a:r>
-              <a:rPr lang="ru-RU" dirty="0" err="1" smtClean="0"/>
-              <a:t>бд</a:t>
-            </a:r>
-            <a:r>
-              <a:rPr lang="ru-RU" dirty="0" smtClean="0"/>
-              <a:t>,…)</a:t>
+              <a:t>Предоставление метрик производительности, результатов тестов</a:t>
             </a:r>
           </a:p>
         </p:txBody>
@@ -4811,8 +4769,9 @@
           <a:p>
             <a:r>
               <a:rPr lang="ru-RU" sz="2400" dirty="0" smtClean="0"/>
-              <a:t>Генерация нагрузки</a:t>
-            </a:r>
+              <a:t>Особенности инструмента</a:t>
+            </a:r>
+            <a:endParaRPr lang="ru-RU" sz="2400" dirty="0"/>
           </a:p>
         </p:txBody>
       </p:sp>
@@ -4860,31 +4819,63 @@
           <a:p>
             <a:r>
               <a:rPr lang="ru-RU" dirty="0" smtClean="0"/>
-              <a:t>Проверка кода ответа</a:t>
-            </a:r>
-            <a:endParaRPr lang="ru-RU" dirty="0" smtClean="0"/>
+              <a:t>Выполнение запроса</a:t>
+            </a:r>
           </a:p>
           <a:p>
             <a:r>
               <a:rPr lang="ru-RU" dirty="0" smtClean="0"/>
-              <a:t>Проверка размера ответа</a:t>
-            </a:r>
-            <a:endParaRPr lang="ru-RU" dirty="0" smtClean="0"/>
-          </a:p>
-          <a:p>
+              <a:t>Настройка профиля нагрузки</a:t>
+            </a:r>
+          </a:p>
+          <a:p>
+            <a:pPr lvl="1"/>
             <a:r>
               <a:rPr lang="ru-RU" dirty="0" smtClean="0"/>
-              <a:t>Проверка </a:t>
-            </a:r>
-            <a:r>
-              <a:rPr lang="ru-RU" smtClean="0"/>
-              <a:t>содержимого </a:t>
-            </a:r>
-            <a:r>
-              <a:rPr lang="ru-RU" smtClean="0"/>
-              <a:t>ответа</a:t>
-            </a:r>
-            <a:endParaRPr lang="ru-RU" dirty="0" smtClean="0"/>
+              <a:t>Количество потоков</a:t>
+            </a:r>
+          </a:p>
+          <a:p>
+            <a:pPr lvl="1"/>
+            <a:r>
+              <a:rPr lang="ru-RU" dirty="0" smtClean="0"/>
+              <a:t>Количество повторений</a:t>
+            </a:r>
+          </a:p>
+          <a:p>
+            <a:r>
+              <a:rPr lang="ru-RU" dirty="0" smtClean="0"/>
+              <a:t>Генерация тестовых данных</a:t>
+            </a:r>
+          </a:p>
+          <a:p>
+            <a:pPr lvl="1"/>
+            <a:r>
+              <a:rPr lang="ru-RU" dirty="0" smtClean="0"/>
+              <a:t>Статика</a:t>
+            </a:r>
+          </a:p>
+          <a:p>
+            <a:pPr lvl="1"/>
+            <a:r>
+              <a:rPr lang="ru-RU" dirty="0" smtClean="0"/>
+              <a:t>Генерация кодом</a:t>
+            </a:r>
+          </a:p>
+          <a:p>
+            <a:pPr lvl="1"/>
+            <a:r>
+              <a:rPr lang="ru-RU" dirty="0" smtClean="0"/>
+              <a:t>Из внешнего источника (файл, </a:t>
+            </a:r>
+            <a:r>
+              <a:rPr lang="ru-RU" dirty="0" err="1" smtClean="0"/>
+              <a:t>бд</a:t>
+            </a:r>
+            <a:r>
+              <a:rPr lang="ru-RU" dirty="0" smtClean="0"/>
+              <a:t>,…)</a:t>
+            </a:r>
           </a:p>
         </p:txBody>
       </p:sp>
@@ -4907,7 +4898,7 @@
           <a:p>
             <a:r>
               <a:rPr lang="ru-RU" sz="2400" dirty="0" smtClean="0"/>
-              <a:t>Проверка выполнения запросов</a:t>
+              <a:t>Генерация нагрузки</a:t>
             </a:r>
           </a:p>
         </p:txBody>
@@ -4950,47 +4941,31 @@
         <p:spPr/>
         <p:txBody>
           <a:bodyPr>
-            <a:normAutofit lnSpcReduction="10000"/>
+            <a:normAutofit/>
           </a:bodyPr>
           <a:lstStyle/>
           <a:p>
             <a:r>
               <a:rPr lang="ru-RU" dirty="0" smtClean="0"/>
-              <a:t>Получение статуса ответа, замер времени выполнения</a:t>
+              <a:t>Проверка кода ответа</a:t>
             </a:r>
           </a:p>
           <a:p>
             <a:r>
               <a:rPr lang="ru-RU" dirty="0" smtClean="0"/>
-              <a:t>Вывод итогового и промежуточного протоколов прогона в </a:t>
-            </a:r>
-          </a:p>
-          <a:p>
-            <a:pPr lvl="1"/>
+              <a:t>Проверка размера ответа</a:t>
+            </a:r>
+          </a:p>
+          <a:p>
             <a:r>
               <a:rPr lang="ru-RU" dirty="0" smtClean="0"/>
-              <a:t>Консоль</a:t>
-            </a:r>
-          </a:p>
-          <a:p>
-            <a:pPr lvl="1"/>
-            <a:r>
-              <a:rPr lang="ru-RU" dirty="0" smtClean="0"/>
-              <a:t>Файл</a:t>
-            </a:r>
-          </a:p>
-          <a:p>
-            <a:pPr lvl="1"/>
-            <a:r>
-              <a:rPr lang="ru-RU" dirty="0" smtClean="0"/>
-              <a:t>Отчет</a:t>
-            </a:r>
-          </a:p>
-          <a:p>
-            <a:r>
-              <a:rPr lang="ru-RU" dirty="0" smtClean="0"/>
-              <a:t>Отправка метрик во внешнюю систему</a:t>
-            </a:r>
+              <a:t>Проверка </a:t>
+            </a:r>
+            <a:r>
+              <a:rPr lang="ru-RU" smtClean="0"/>
+              <a:t>содержимого ответа</a:t>
+            </a:r>
+            <a:endParaRPr lang="ru-RU" dirty="0" smtClean="0"/>
           </a:p>
         </p:txBody>
       </p:sp>
@@ -5013,7 +4988,7 @@
           <a:p>
             <a:r>
               <a:rPr lang="ru-RU" sz="2400" dirty="0" smtClean="0"/>
-              <a:t>Предоставление метрик производительности, результатов тестов</a:t>
+              <a:t>Проверка выполнения запросов</a:t>
             </a:r>
           </a:p>
         </p:txBody>
@@ -5045,7 +5020,7 @@
       </p:grpSpPr>
       <p:sp>
         <p:nvSpPr>
-          <p:cNvPr id="5" name="Содержимое 4"/>
+          <p:cNvPr id="3" name="Содержимое 2"/>
           <p:cNvSpPr>
             <a:spLocks noGrp="1"/>
           </p:cNvSpPr>
@@ -5055,16 +5030,54 @@
         </p:nvSpPr>
         <p:spPr/>
         <p:txBody>
-          <a:bodyPr/>
+          <a:bodyPr>
+            <a:normAutofit lnSpcReduction="10000"/>
+          </a:bodyPr>
           <a:lstStyle/>
           <a:p>
-            <a:endParaRPr lang="ru-RU" dirty="0"/>
-          </a:p>
-        </p:txBody>
-      </p:sp>
-      <p:sp>
-        <p:nvSpPr>
-          <p:cNvPr id="3" name="Заголовок 2"/>
+            <a:r>
+              <a:rPr lang="ru-RU" dirty="0" smtClean="0"/>
+              <a:t>Получение статуса ответа, замер времени выполнения</a:t>
+            </a:r>
+          </a:p>
+          <a:p>
+            <a:r>
+              <a:rPr lang="ru-RU" dirty="0" smtClean="0"/>
+              <a:t>Вывод итогового и промежуточного протоколов прогона в </a:t>
+            </a:r>
+          </a:p>
+          <a:p>
+            <a:pPr lvl="1"/>
+            <a:r>
+              <a:rPr lang="ru-RU" dirty="0" smtClean="0"/>
+              <a:t>Консоль</a:t>
+            </a:r>
+          </a:p>
+          <a:p>
+            <a:pPr lvl="1"/>
+            <a:r>
+              <a:rPr lang="ru-RU" dirty="0" smtClean="0"/>
+              <a:t>Файл</a:t>
+            </a:r>
+          </a:p>
+          <a:p>
+            <a:pPr lvl="1"/>
+            <a:r>
+              <a:rPr lang="ru-RU" dirty="0" smtClean="0"/>
+              <a:t>Отчет</a:t>
+            </a:r>
+          </a:p>
+          <a:p>
+            <a:r>
+              <a:rPr lang="ru-RU" dirty="0" smtClean="0"/>
+              <a:t>Отправка метрик во внешнюю систему</a:t>
+            </a:r>
+          </a:p>
+        </p:txBody>
+      </p:sp>
+      <p:sp>
+        <p:nvSpPr>
+          <p:cNvPr id="2" name="Заголовок 1"/>
           <p:cNvSpPr>
             <a:spLocks noGrp="1"/>
           </p:cNvSpPr>
@@ -5074,14 +5087,15 @@
         </p:nvSpPr>
         <p:spPr/>
         <p:txBody>
-          <a:bodyPr/>
+          <a:bodyPr>
+            <a:noAutofit/>
+          </a:bodyPr>
           <a:lstStyle/>
           <a:p>
             <a:r>
-              <a:rPr lang="ru-RU" dirty="0" smtClean="0"/>
-              <a:t>Обсуждение, вопросы</a:t>
-            </a:r>
-            <a:endParaRPr lang="ru-RU" dirty="0"/>
+              <a:rPr lang="ru-RU" sz="2400" dirty="0" smtClean="0"/>
+              <a:t>Предоставление метрик производительности, результатов тестов</a:t>
+            </a:r>
           </a:p>
         </p:txBody>
       </p:sp>
@@ -5094,6 +5108,73 @@
 </file>
 
 <file path=ppt/slides/slide14.xml><?xml version="1.0" encoding="utf-8"?>
+<p:sld xmlns:a="http://schemas.openxmlformats.org/drawingml/2006/main" xmlns:r="http://schemas.openxmlformats.org/officeDocument/2006/relationships" xmlns:p="http://schemas.openxmlformats.org/presentationml/2006/main">
+  <p:cSld>
+    <p:spTree>
+      <p:nvGrpSpPr>
+        <p:cNvPr id="1" name=""/>
+        <p:cNvGrpSpPr/>
+        <p:nvPr/>
+      </p:nvGrpSpPr>
+      <p:grpSpPr>
+        <a:xfrm>
+          <a:off x="0" y="0"/>
+          <a:ext cx="0" cy="0"/>
+          <a:chOff x="0" y="0"/>
+          <a:chExt cx="0" cy="0"/>
+        </a:xfrm>
+      </p:grpSpPr>
+      <p:sp>
+        <p:nvSpPr>
+          <p:cNvPr id="5" name="Содержимое 4"/>
+          <p:cNvSpPr>
+            <a:spLocks noGrp="1"/>
+          </p:cNvSpPr>
+          <p:nvPr>
+            <p:ph idx="1"/>
+          </p:nvPr>
+        </p:nvSpPr>
+        <p:spPr/>
+        <p:txBody>
+          <a:bodyPr/>
+          <a:lstStyle/>
+          <a:p>
+            <a:endParaRPr lang="ru-RU" dirty="0"/>
+          </a:p>
+        </p:txBody>
+      </p:sp>
+      <p:sp>
+        <p:nvSpPr>
+          <p:cNvPr id="3" name="Заголовок 2"/>
+          <p:cNvSpPr>
+            <a:spLocks noGrp="1"/>
+          </p:cNvSpPr>
+          <p:nvPr>
+            <p:ph type="title"/>
+          </p:nvPr>
+        </p:nvSpPr>
+        <p:spPr/>
+        <p:txBody>
+          <a:bodyPr/>
+          <a:lstStyle/>
+          <a:p>
+            <a:r>
+              <a:rPr lang="ru-RU" dirty="0" smtClean="0"/>
+              <a:t>Обсуждение, вопросы</a:t>
+            </a:r>
+            <a:endParaRPr lang="ru-RU" dirty="0"/>
+          </a:p>
+        </p:txBody>
+      </p:sp>
+    </p:spTree>
+  </p:cSld>
+  <p:clrMapOvr>
+    <a:masterClrMapping/>
+  </p:clrMapOvr>
+</p:sld>
+</file>
+
+<file path=ppt/slides/slide15.xml><?xml version="1.0" encoding="utf-8"?>
 <p:sld xmlns:a="http://schemas.openxmlformats.org/drawingml/2006/main" xmlns:r="http://schemas.openxmlformats.org/officeDocument/2006/relationships" xmlns:p="http://schemas.openxmlformats.org/presentationml/2006/main">
   <p:cSld>
     <p:spTree>
@@ -5400,11 +5481,7 @@
           <a:p>
             <a:r>
               <a:rPr lang="ru-RU" dirty="0" err="1" smtClean="0"/>
-              <a:t>Тесты</a:t>
-            </a:r>
-            <a:r>
-              <a:rPr lang="ru-RU" dirty="0" err="1" smtClean="0"/>
-              <a:t>в</a:t>
+              <a:t>Тестыв</a:t>
             </a:r>
             <a:r>
               <a:rPr lang="ru-RU" dirty="0" smtClean="0"/>
@@ -5497,10 +5574,9 @@
           <a:lstStyle/>
           <a:p>
             <a:r>
-              <a:rPr lang="ru-RU" smtClean="0"/>
-              <a:t>Методологий</a:t>
-            </a:r>
-            <a:endParaRPr lang="ru-RU" dirty="0" smtClean="0"/>
+              <a:rPr lang="ru-RU" dirty="0" smtClean="0"/>
+              <a:t>Процесс тестирования с целью определить производительность программного продукта.</a:t>
+            </a:r>
           </a:p>
         </p:txBody>
       </p:sp>
@@ -5523,7 +5599,23 @@
           <a:p>
             <a:r>
               <a:rPr lang="ru-RU" sz="2400" dirty="0" smtClean="0"/>
-              <a:t>Чего не будет</a:t>
+              <a:t>тестирование производительности (</a:t>
+            </a:r>
+            <a:r>
+              <a:rPr lang="ru-RU" sz="2400" dirty="0" err="1" smtClean="0"/>
+              <a:t>performance</a:t>
+            </a:r>
+            <a:r>
+              <a:rPr lang="ru-RU" sz="2400" dirty="0" smtClean="0"/>
+              <a:t> </a:t>
+            </a:r>
+            <a:r>
+              <a:rPr lang="ru-RU" sz="2400" dirty="0" err="1" smtClean="0"/>
+              <a:t>testing</a:t>
+            </a:r>
+            <a:r>
+              <a:rPr lang="ru-RU" sz="2400" dirty="0" smtClean="0"/>
+              <a:t>)</a:t>
             </a:r>
             <a:endParaRPr lang="ru-RU" sz="2400" dirty="0"/>
           </a:p>
@@ -5567,13 +5659,13 @@
         <p:spPr/>
         <p:txBody>
           <a:bodyPr>
-            <a:normAutofit/>
+            <a:normAutofit fontScale="77500" lnSpcReduction="20000"/>
           </a:bodyPr>
           <a:lstStyle/>
           <a:p>
             <a:r>
               <a:rPr lang="ru-RU" dirty="0" smtClean="0"/>
-              <a:t>Процесс тестирования с целью определить производительность программного продукта.</a:t>
+              <a:t>Инструмент для проведения тестирования производительности, обычно имеющий две основные функции: генерация нагрузки и измерения тестовых операций. Генерация нагрузки может имитировать множественных пользователей или же большие объемы данных. Во время выполнения, с определенных операций снимаются и протоколируются замеры времени отклика. Инструменты тестирования производительности обычно выдают отчеты на основе протокола тестирования и графики нагрузки относительно времени отклика. </a:t>
             </a:r>
           </a:p>
         </p:txBody>
@@ -5597,7 +5689,7 @@
           <a:p>
             <a:r>
               <a:rPr lang="ru-RU" sz="2400" dirty="0" smtClean="0"/>
-              <a:t>тестирование производительности (</a:t>
+              <a:t>инструмент тестирования производительности (</a:t>
             </a:r>
             <a:r>
               <a:rPr lang="ru-RU" sz="2400" dirty="0" err="1" smtClean="0"/>
@@ -5613,7 +5705,15 @@
             </a:r>
             <a:r>
               <a:rPr lang="ru-RU" sz="2400" dirty="0" smtClean="0"/>
-              <a:t>)</a:t>
+              <a:t> </a:t>
+            </a:r>
+            <a:r>
+              <a:rPr lang="ru-RU" sz="2400" dirty="0" err="1" smtClean="0"/>
+              <a:t>tool</a:t>
+            </a:r>
+            <a:r>
+              <a:rPr lang="ru-RU" sz="2400" dirty="0" smtClean="0"/>
+              <a:t>): </a:t>
             </a:r>
             <a:endParaRPr lang="ru-RU" sz="2400" dirty="0"/>
           </a:p>
@@ -5657,13 +5757,13 @@
         <p:spPr/>
         <p:txBody>
           <a:bodyPr>
-            <a:normAutofit fontScale="77500" lnSpcReduction="20000"/>
+            <a:normAutofit/>
           </a:bodyPr>
           <a:lstStyle/>
           <a:p>
             <a:r>
               <a:rPr lang="ru-RU" dirty="0" smtClean="0"/>
-              <a:t>Инструмент для проведения тестирования производительности, обычно имеющий две основные функции: генерация нагрузки и измерения тестовых операций. Генерация нагрузки может имитировать множественных пользователей или же большие объемы данных. Во время выполнения, с определенных операций снимаются и протоколируются замеры времени отклика. Инструменты тестирования производительности обычно выдают отчеты на основе протокола тестирования и графики нагрузки относительно времени отклика. </a:t>
+              <a:t>Степень, с которой система или компонент выполняет заложенные в нее функции в установленных рамках на время обработки и пропускную способность. [IEEE 610] См. также эффективность.</a:t>
             </a:r>
           </a:p>
         </p:txBody>
@@ -5687,7 +5787,7 @@
           <a:p>
             <a:r>
               <a:rPr lang="ru-RU" sz="2400" dirty="0" smtClean="0"/>
-              <a:t>инструмент тестирования производительности (</a:t>
+              <a:t>производительность (</a:t>
             </a:r>
             <a:r>
               <a:rPr lang="ru-RU" sz="2400" dirty="0" err="1" smtClean="0"/>
@@ -5695,23 +5795,7 @@
             </a:r>
             <a:r>
               <a:rPr lang="ru-RU" sz="2400" dirty="0" smtClean="0"/>
-              <a:t> </a:t>
-            </a:r>
-            <a:r>
-              <a:rPr lang="ru-RU" sz="2400" dirty="0" err="1" smtClean="0"/>
-              <a:t>testing</a:t>
-            </a:r>
-            <a:r>
-              <a:rPr lang="ru-RU" sz="2400" dirty="0" smtClean="0"/>
-              <a:t> </a:t>
-            </a:r>
-            <a:r>
-              <a:rPr lang="ru-RU" sz="2400" dirty="0" err="1" smtClean="0"/>
-              <a:t>tool</a:t>
-            </a:r>
-            <a:r>
-              <a:rPr lang="ru-RU" sz="2400" dirty="0" smtClean="0"/>
-              <a:t>): </a:t>
+              <a:t>):</a:t>
             </a:r>
             <a:endParaRPr lang="ru-RU" sz="2400" dirty="0"/>
           </a:p>
@@ -5869,14 +5953,71 @@
         <p:spPr/>
         <p:txBody>
           <a:bodyPr>
-            <a:normAutofit/>
+            <a:normAutofit fontScale="77500" lnSpcReduction="20000"/>
           </a:bodyPr>
           <a:lstStyle/>
           <a:p>
             <a:r>
               <a:rPr lang="ru-RU" dirty="0" smtClean="0"/>
-              <a:t>Степень, с которой система или компонент выполняет заложенные в нее функции в установленных рамках на время обработки и пропускную способность. [IEEE 610] См. также эффективность.</a:t>
-            </a:r>
+              <a:t>Цель тестирования</a:t>
+            </a:r>
+          </a:p>
+          <a:p>
+            <a:r>
+              <a:rPr lang="ru-RU" dirty="0" smtClean="0"/>
+              <a:t>Объект тестирования</a:t>
+            </a:r>
+          </a:p>
+          <a:p>
+            <a:r>
+              <a:rPr lang="ru-RU" dirty="0" smtClean="0"/>
+              <a:t>Тестовый сценарий</a:t>
+            </a:r>
+          </a:p>
+          <a:p>
+            <a:r>
+              <a:rPr lang="ru-RU" dirty="0" smtClean="0"/>
+              <a:t>Порядок генерации нагрузки(профиль, тестовые данные)</a:t>
+            </a:r>
+          </a:p>
+          <a:p>
+            <a:r>
+              <a:rPr lang="ru-RU" dirty="0" smtClean="0"/>
+              <a:t>Подготовка тестового стенда</a:t>
+            </a:r>
+          </a:p>
+          <a:p>
+            <a:r>
+              <a:rPr lang="ru-RU" dirty="0" smtClean="0">
+                <a:solidFill>
+                  <a:srgbClr val="00B0F0"/>
+                </a:solidFill>
+              </a:rPr>
+              <a:t>Инструмент тестирования и реализация тестов</a:t>
+            </a:r>
+          </a:p>
+          <a:p>
+            <a:r>
+              <a:rPr lang="ru-RU" dirty="0" smtClean="0">
+                <a:solidFill>
+                  <a:srgbClr val="00B0F0"/>
+                </a:solidFill>
+              </a:rPr>
+              <a:t>Сбор показателей(метрик) и предоставление отчетов</a:t>
+            </a:r>
+          </a:p>
+          <a:p>
+            <a:r>
+              <a:rPr lang="ru-RU" dirty="0" smtClean="0"/>
+              <a:t>Порядок интерпретаций метрик и отчетов</a:t>
+            </a:r>
+          </a:p>
+          <a:p>
+            <a:r>
+              <a:rPr lang="ru-RU" dirty="0" smtClean="0"/>
+              <a:t>Условия успешного завершения</a:t>
+            </a:r>
+            <a:endParaRPr lang="ru-RU" dirty="0" smtClean="0"/>
           </a:p>
         </p:txBody>
       </p:sp>
@@ -5899,15 +6040,7 @@
           <a:p>
             <a:r>
               <a:rPr lang="ru-RU" sz="2400" dirty="0" smtClean="0"/>
-              <a:t>производительность (</a:t>
-            </a:r>
-            <a:r>
-              <a:rPr lang="ru-RU" sz="2400" dirty="0" err="1" smtClean="0"/>
-              <a:t>performance</a:t>
-            </a:r>
-            <a:r>
-              <a:rPr lang="ru-RU" sz="2400" dirty="0" smtClean="0"/>
-              <a:t>):</a:t>
+              <a:t>План тестирования</a:t>
             </a:r>
             <a:endParaRPr lang="ru-RU" sz="2400" dirty="0"/>
           </a:p>
@@ -5940,47 +6073,6 @@
       </p:grpSpPr>
       <p:sp>
         <p:nvSpPr>
-          <p:cNvPr id="3" name="Содержимое 2"/>
-          <p:cNvSpPr>
-            <a:spLocks noGrp="1"/>
-          </p:cNvSpPr>
-          <p:nvPr>
-            <p:ph idx="1"/>
-          </p:nvPr>
-        </p:nvSpPr>
-        <p:spPr/>
-        <p:txBody>
-          <a:bodyPr>
-            <a:normAutofit/>
-          </a:bodyPr>
-          <a:lstStyle/>
-          <a:p>
-            <a:r>
-              <a:rPr lang="ru-RU" dirty="0" smtClean="0"/>
-              <a:t>Генерация </a:t>
-            </a:r>
-            <a:r>
-              <a:rPr lang="ru-RU" dirty="0" smtClean="0"/>
-              <a:t>нагрузки</a:t>
-            </a:r>
-          </a:p>
-          <a:p>
-            <a:r>
-              <a:rPr lang="ru-RU" dirty="0" smtClean="0"/>
-              <a:t>Проверка выполнения запросов</a:t>
-            </a:r>
-            <a:endParaRPr lang="ru-RU" dirty="0" smtClean="0"/>
-          </a:p>
-          <a:p>
-            <a:r>
-              <a:rPr lang="ru-RU" dirty="0" smtClean="0"/>
-              <a:t>Предоставление метрик производительности, результатов тестов</a:t>
-            </a:r>
-          </a:p>
-        </p:txBody>
-      </p:sp>
-      <p:sp>
-        <p:nvSpPr>
           <p:cNvPr id="2" name="Заголовок 1"/>
           <p:cNvSpPr>
             <a:spLocks noGrp="1"/>
@@ -5998,9 +6090,520 @@
           <a:p>
             <a:r>
               <a:rPr lang="ru-RU" sz="2400" dirty="0" smtClean="0"/>
-              <a:t>Особенности инструмента</a:t>
+              <a:t>Выполнение запросов</a:t>
             </a:r>
             <a:endParaRPr lang="ru-RU" sz="2400" dirty="0"/>
+          </a:p>
+        </p:txBody>
+      </p:sp>
+      <p:sp>
+        <p:nvSpPr>
+          <p:cNvPr id="4" name="Содержимое 3"/>
+          <p:cNvSpPr>
+            <a:spLocks noGrp="1"/>
+          </p:cNvSpPr>
+          <p:nvPr>
+            <p:ph idx="1"/>
+          </p:nvPr>
+        </p:nvSpPr>
+        <p:spPr/>
+        <p:txBody>
+          <a:bodyPr/>
+          <a:lstStyle/>
+          <a:p>
+            <a:endParaRPr lang="ru-RU" dirty="0"/>
+          </a:p>
+        </p:txBody>
+      </p:sp>
+      <p:sp>
+        <p:nvSpPr>
+          <p:cNvPr id="6" name="Улыбающееся лицо 5"/>
+          <p:cNvSpPr/>
+          <p:nvPr/>
+        </p:nvSpPr>
+        <p:spPr>
+          <a:xfrm>
+            <a:off x="2071670" y="1643056"/>
+            <a:ext cx="500066" cy="500066"/>
+          </a:xfrm>
+          <a:prstGeom prst="smileyFace">
+            <a:avLst/>
+          </a:prstGeom>
+        </p:spPr>
+        <p:style>
+          <a:lnRef idx="2">
+            <a:schemeClr val="accent1">
+              <a:shade val="50000"/>
+            </a:schemeClr>
+          </a:lnRef>
+          <a:fillRef idx="1">
+            <a:schemeClr val="accent1"/>
+          </a:fillRef>
+          <a:effectRef idx="0">
+            <a:schemeClr val="accent1"/>
+          </a:effectRef>
+          <a:fontRef idx="minor">
+            <a:schemeClr val="lt1"/>
+          </a:fontRef>
+        </p:style>
+        <p:txBody>
+          <a:bodyPr rtlCol="0" anchor="ctr"/>
+          <a:lstStyle/>
+          <a:p>
+            <a:pPr algn="ctr"/>
+            <a:endParaRPr lang="ru-RU"/>
+          </a:p>
+        </p:txBody>
+      </p:sp>
+      <p:sp>
+        <p:nvSpPr>
+          <p:cNvPr id="9" name="Улыбающееся лицо 8"/>
+          <p:cNvSpPr/>
+          <p:nvPr/>
+        </p:nvSpPr>
+        <p:spPr>
+          <a:xfrm>
+            <a:off x="2071670" y="2285998"/>
+            <a:ext cx="500066" cy="500066"/>
+          </a:xfrm>
+          <a:prstGeom prst="smileyFace">
+            <a:avLst/>
+          </a:prstGeom>
+        </p:spPr>
+        <p:style>
+          <a:lnRef idx="2">
+            <a:schemeClr val="accent1">
+              <a:shade val="50000"/>
+            </a:schemeClr>
+          </a:lnRef>
+          <a:fillRef idx="1">
+            <a:schemeClr val="accent1"/>
+          </a:fillRef>
+          <a:effectRef idx="0">
+            <a:schemeClr val="accent1"/>
+          </a:effectRef>
+          <a:fontRef idx="minor">
+            <a:schemeClr val="lt1"/>
+          </a:fontRef>
+        </p:style>
+        <p:txBody>
+          <a:bodyPr rtlCol="0" anchor="ctr"/>
+          <a:lstStyle/>
+          <a:p>
+            <a:pPr algn="ctr"/>
+            <a:endParaRPr lang="ru-RU"/>
+          </a:p>
+        </p:txBody>
+      </p:sp>
+      <p:sp>
+        <p:nvSpPr>
+          <p:cNvPr id="10" name="Улыбающееся лицо 9"/>
+          <p:cNvSpPr/>
+          <p:nvPr/>
+        </p:nvSpPr>
+        <p:spPr>
+          <a:xfrm>
+            <a:off x="2071670" y="2928940"/>
+            <a:ext cx="500066" cy="500066"/>
+          </a:xfrm>
+          <a:prstGeom prst="smileyFace">
+            <a:avLst/>
+          </a:prstGeom>
+        </p:spPr>
+        <p:style>
+          <a:lnRef idx="2">
+            <a:schemeClr val="accent1">
+              <a:shade val="50000"/>
+            </a:schemeClr>
+          </a:lnRef>
+          <a:fillRef idx="1">
+            <a:schemeClr val="accent1"/>
+          </a:fillRef>
+          <a:effectRef idx="0">
+            <a:schemeClr val="accent1"/>
+          </a:effectRef>
+          <a:fontRef idx="minor">
+            <a:schemeClr val="lt1"/>
+          </a:fontRef>
+        </p:style>
+        <p:txBody>
+          <a:bodyPr rtlCol="0" anchor="ctr"/>
+          <a:lstStyle/>
+          <a:p>
+            <a:pPr algn="ctr"/>
+            <a:endParaRPr lang="ru-RU"/>
+          </a:p>
+        </p:txBody>
+      </p:sp>
+      <p:sp>
+        <p:nvSpPr>
+          <p:cNvPr id="11" name="Улыбающееся лицо 10"/>
+          <p:cNvSpPr/>
+          <p:nvPr/>
+        </p:nvSpPr>
+        <p:spPr>
+          <a:xfrm>
+            <a:off x="2071670" y="3571882"/>
+            <a:ext cx="500066" cy="500066"/>
+          </a:xfrm>
+          <a:prstGeom prst="smileyFace">
+            <a:avLst/>
+          </a:prstGeom>
+        </p:spPr>
+        <p:style>
+          <a:lnRef idx="2">
+            <a:schemeClr val="accent1">
+              <a:shade val="50000"/>
+            </a:schemeClr>
+          </a:lnRef>
+          <a:fillRef idx="1">
+            <a:schemeClr val="accent1"/>
+          </a:fillRef>
+          <a:effectRef idx="0">
+            <a:schemeClr val="accent1"/>
+          </a:effectRef>
+          <a:fontRef idx="minor">
+            <a:schemeClr val="lt1"/>
+          </a:fontRef>
+        </p:style>
+        <p:txBody>
+          <a:bodyPr rtlCol="0" anchor="ctr"/>
+          <a:lstStyle/>
+          <a:p>
+            <a:pPr algn="ctr"/>
+            <a:endParaRPr lang="ru-RU"/>
+          </a:p>
+        </p:txBody>
+      </p:sp>
+      <p:sp>
+        <p:nvSpPr>
+          <p:cNvPr id="12" name="Прямоугольник 11"/>
+          <p:cNvSpPr/>
+          <p:nvPr/>
+        </p:nvSpPr>
+        <p:spPr>
+          <a:xfrm>
+            <a:off x="5072066" y="1643056"/>
+            <a:ext cx="2143140" cy="2357454"/>
+          </a:xfrm>
+          <a:prstGeom prst="rect">
+            <a:avLst/>
+          </a:prstGeom>
+        </p:spPr>
+        <p:style>
+          <a:lnRef idx="2">
+            <a:schemeClr val="accent1">
+              <a:shade val="50000"/>
+            </a:schemeClr>
+          </a:lnRef>
+          <a:fillRef idx="1">
+            <a:schemeClr val="accent1"/>
+          </a:fillRef>
+          <a:effectRef idx="0">
+            <a:schemeClr val="accent1"/>
+          </a:effectRef>
+          <a:fontRef idx="minor">
+            <a:schemeClr val="lt1"/>
+          </a:fontRef>
+        </p:style>
+        <p:txBody>
+          <a:bodyPr rtlCol="0" anchor="ctr"/>
+          <a:lstStyle/>
+          <a:p>
+            <a:pPr algn="ctr"/>
+            <a:r>
+              <a:rPr lang="en-US" dirty="0" smtClean="0"/>
+              <a:t>CPU</a:t>
+            </a:r>
+          </a:p>
+          <a:p>
+            <a:pPr algn="ctr"/>
+            <a:r>
+              <a:rPr lang="en-US" dirty="0" smtClean="0"/>
+              <a:t>RAM</a:t>
+            </a:r>
+          </a:p>
+          <a:p>
+            <a:pPr algn="ctr"/>
+            <a:r>
+              <a:rPr lang="en-US" dirty="0" smtClean="0"/>
+              <a:t>NETWORK</a:t>
+            </a:r>
+          </a:p>
+          <a:p>
+            <a:pPr algn="ctr"/>
+            <a:r>
+              <a:rPr lang="en-US" dirty="0" smtClean="0"/>
+              <a:t>IOPS</a:t>
+            </a:r>
+          </a:p>
+          <a:p>
+            <a:pPr algn="ctr"/>
+            <a:r>
+              <a:rPr lang="ru-RU" dirty="0" smtClean="0"/>
+              <a:t>Внутренние очереди</a:t>
+            </a:r>
+          </a:p>
+          <a:p>
+            <a:pPr algn="ctr"/>
+            <a:r>
+              <a:rPr lang="ru-RU" dirty="0" smtClean="0"/>
+              <a:t>…</a:t>
+            </a:r>
+            <a:endParaRPr lang="en-US" dirty="0" smtClean="0"/>
+          </a:p>
+        </p:txBody>
+      </p:sp>
+      <p:sp>
+        <p:nvSpPr>
+          <p:cNvPr id="13" name="Двойная стрелка влево/вправо 12"/>
+          <p:cNvSpPr/>
+          <p:nvPr/>
+        </p:nvSpPr>
+        <p:spPr>
+          <a:xfrm>
+            <a:off x="2786050" y="1785932"/>
+            <a:ext cx="2071702" cy="214314"/>
+          </a:xfrm>
+          <a:prstGeom prst="leftRightArrow">
+            <a:avLst/>
+          </a:prstGeom>
+        </p:spPr>
+        <p:style>
+          <a:lnRef idx="2">
+            <a:schemeClr val="accent1">
+              <a:shade val="50000"/>
+            </a:schemeClr>
+          </a:lnRef>
+          <a:fillRef idx="1">
+            <a:schemeClr val="accent1"/>
+          </a:fillRef>
+          <a:effectRef idx="0">
+            <a:schemeClr val="accent1"/>
+          </a:effectRef>
+          <a:fontRef idx="minor">
+            <a:schemeClr val="lt1"/>
+          </a:fontRef>
+        </p:style>
+        <p:txBody>
+          <a:bodyPr rtlCol="0" anchor="ctr"/>
+          <a:lstStyle/>
+          <a:p>
+            <a:pPr algn="ctr"/>
+            <a:endParaRPr lang="ru-RU"/>
+          </a:p>
+        </p:txBody>
+      </p:sp>
+      <p:sp>
+        <p:nvSpPr>
+          <p:cNvPr id="15" name="Двойная стрелка влево/вправо 14"/>
+          <p:cNvSpPr/>
+          <p:nvPr/>
+        </p:nvSpPr>
+        <p:spPr>
+          <a:xfrm>
+            <a:off x="2786050" y="2428874"/>
+            <a:ext cx="2071702" cy="214314"/>
+          </a:xfrm>
+          <a:prstGeom prst="leftRightArrow">
+            <a:avLst/>
+          </a:prstGeom>
+        </p:spPr>
+        <p:style>
+          <a:lnRef idx="2">
+            <a:schemeClr val="accent1">
+              <a:shade val="50000"/>
+            </a:schemeClr>
+          </a:lnRef>
+          <a:fillRef idx="1">
+            <a:schemeClr val="accent1"/>
+          </a:fillRef>
+          <a:effectRef idx="0">
+            <a:schemeClr val="accent1"/>
+          </a:effectRef>
+          <a:fontRef idx="minor">
+            <a:schemeClr val="lt1"/>
+          </a:fontRef>
+        </p:style>
+        <p:txBody>
+          <a:bodyPr rtlCol="0" anchor="ctr"/>
+          <a:lstStyle/>
+          <a:p>
+            <a:pPr algn="ctr"/>
+            <a:endParaRPr lang="ru-RU"/>
+          </a:p>
+        </p:txBody>
+      </p:sp>
+      <p:sp>
+        <p:nvSpPr>
+          <p:cNvPr id="16" name="Двойная стрелка влево/вправо 15"/>
+          <p:cNvSpPr/>
+          <p:nvPr/>
+        </p:nvSpPr>
+        <p:spPr>
+          <a:xfrm>
+            <a:off x="2786050" y="3071816"/>
+            <a:ext cx="2071702" cy="214314"/>
+          </a:xfrm>
+          <a:prstGeom prst="leftRightArrow">
+            <a:avLst/>
+          </a:prstGeom>
+        </p:spPr>
+        <p:style>
+          <a:lnRef idx="2">
+            <a:schemeClr val="accent1">
+              <a:shade val="50000"/>
+            </a:schemeClr>
+          </a:lnRef>
+          <a:fillRef idx="1">
+            <a:schemeClr val="accent1"/>
+          </a:fillRef>
+          <a:effectRef idx="0">
+            <a:schemeClr val="accent1"/>
+          </a:effectRef>
+          <a:fontRef idx="minor">
+            <a:schemeClr val="lt1"/>
+          </a:fontRef>
+        </p:style>
+        <p:txBody>
+          <a:bodyPr rtlCol="0" anchor="ctr"/>
+          <a:lstStyle/>
+          <a:p>
+            <a:pPr algn="ctr"/>
+            <a:endParaRPr lang="ru-RU"/>
+          </a:p>
+        </p:txBody>
+      </p:sp>
+      <p:sp>
+        <p:nvSpPr>
+          <p:cNvPr id="17" name="Двойная стрелка влево/вправо 16"/>
+          <p:cNvSpPr/>
+          <p:nvPr/>
+        </p:nvSpPr>
+        <p:spPr>
+          <a:xfrm>
+            <a:off x="2786050" y="3714758"/>
+            <a:ext cx="2071702" cy="214314"/>
+          </a:xfrm>
+          <a:prstGeom prst="leftRightArrow">
+            <a:avLst/>
+          </a:prstGeom>
+        </p:spPr>
+        <p:style>
+          <a:lnRef idx="2">
+            <a:schemeClr val="accent1">
+              <a:shade val="50000"/>
+            </a:schemeClr>
+          </a:lnRef>
+          <a:fillRef idx="1">
+            <a:schemeClr val="accent1"/>
+          </a:fillRef>
+          <a:effectRef idx="0">
+            <a:schemeClr val="accent1"/>
+          </a:effectRef>
+          <a:fontRef idx="minor">
+            <a:schemeClr val="lt1"/>
+          </a:fontRef>
+        </p:style>
+        <p:txBody>
+          <a:bodyPr rtlCol="0" anchor="ctr"/>
+          <a:lstStyle/>
+          <a:p>
+            <a:pPr algn="ctr"/>
+            <a:endParaRPr lang="ru-RU"/>
+          </a:p>
+        </p:txBody>
+      </p:sp>
+      <p:sp>
+        <p:nvSpPr>
+          <p:cNvPr id="18" name="TextBox 17"/>
+          <p:cNvSpPr txBox="1"/>
+          <p:nvPr/>
+        </p:nvSpPr>
+        <p:spPr>
+          <a:xfrm>
+            <a:off x="3071802" y="2000246"/>
+            <a:ext cx="1500198" cy="369332"/>
+          </a:xfrm>
+          <a:prstGeom prst="rect">
+            <a:avLst/>
+          </a:prstGeom>
+          <a:noFill/>
+        </p:spPr>
+        <p:txBody>
+          <a:bodyPr wrap="square" rtlCol="0">
+            <a:spAutoFit/>
+          </a:bodyPr>
+          <a:lstStyle/>
+          <a:p>
+            <a:pPr algn="ctr"/>
+            <a:r>
+              <a:rPr lang="en-US" dirty="0" smtClean="0"/>
+              <a:t>RPS</a:t>
+            </a:r>
+            <a:endParaRPr lang="ru-RU" dirty="0"/>
+          </a:p>
+        </p:txBody>
+      </p:sp>
+      <p:sp>
+        <p:nvSpPr>
+          <p:cNvPr id="20" name="TextBox 19"/>
+          <p:cNvSpPr txBox="1"/>
+          <p:nvPr/>
+        </p:nvSpPr>
+        <p:spPr>
+          <a:xfrm>
+            <a:off x="3071802" y="2643188"/>
+            <a:ext cx="1500198" cy="369332"/>
+          </a:xfrm>
+          <a:prstGeom prst="rect">
+            <a:avLst/>
+          </a:prstGeom>
+          <a:noFill/>
+        </p:spPr>
+        <p:txBody>
+          <a:bodyPr wrap="square" rtlCol="0">
+            <a:spAutoFit/>
+          </a:bodyPr>
+          <a:lstStyle/>
+          <a:p>
+            <a:pPr algn="ctr"/>
+            <a:r>
+              <a:rPr lang="en-US" dirty="0" smtClean="0"/>
+              <a:t>Latency</a:t>
+            </a:r>
+            <a:endParaRPr lang="ru-RU" dirty="0"/>
+          </a:p>
+        </p:txBody>
+      </p:sp>
+      <p:sp>
+        <p:nvSpPr>
+          <p:cNvPr id="22" name="TextBox 21"/>
+          <p:cNvSpPr txBox="1"/>
+          <p:nvPr/>
+        </p:nvSpPr>
+        <p:spPr>
+          <a:xfrm>
+            <a:off x="3071802" y="3286130"/>
+            <a:ext cx="1500198" cy="369332"/>
+          </a:xfrm>
+          <a:prstGeom prst="rect">
+            <a:avLst/>
+          </a:prstGeom>
+          <a:noFill/>
+        </p:spPr>
+        <p:txBody>
+          <a:bodyPr wrap="square" rtlCol="0">
+            <a:spAutoFit/>
+          </a:bodyPr>
+          <a:lstStyle/>
+          <a:p>
+            <a:pPr algn="ctr"/>
+            <a:r>
+              <a:rPr lang="en-US" dirty="0" smtClean="0"/>
+              <a:t>Network</a:t>
+            </a:r>
+            <a:endParaRPr lang="ru-RU" dirty="0"/>
           </a:p>
         </p:txBody>
       </p:sp>

--- a/LoadTestStart.pptx
+++ b/LoadTestStart.pptx
@@ -7,19 +7,20 @@
   <p:sldIdLst>
     <p:sldId id="256" r:id="rId2"/>
     <p:sldId id="266" r:id="rId3"/>
-    <p:sldId id="257" r:id="rId4"/>
-    <p:sldId id="279" r:id="rId5"/>
-    <p:sldId id="274" r:id="rId6"/>
-    <p:sldId id="275" r:id="rId7"/>
-    <p:sldId id="273" r:id="rId8"/>
-    <p:sldId id="282" r:id="rId9"/>
+    <p:sldId id="282" r:id="rId4"/>
+    <p:sldId id="257" r:id="rId5"/>
+    <p:sldId id="275" r:id="rId6"/>
+    <p:sldId id="279" r:id="rId7"/>
+    <p:sldId id="274" r:id="rId8"/>
+    <p:sldId id="273" r:id="rId9"/>
     <p:sldId id="283" r:id="rId10"/>
     <p:sldId id="276" r:id="rId11"/>
-    <p:sldId id="277" r:id="rId12"/>
-    <p:sldId id="281" r:id="rId13"/>
-    <p:sldId id="278" r:id="rId14"/>
-    <p:sldId id="271" r:id="rId15"/>
-    <p:sldId id="272" r:id="rId16"/>
+    <p:sldId id="284" r:id="rId12"/>
+    <p:sldId id="277" r:id="rId13"/>
+    <p:sldId id="281" r:id="rId14"/>
+    <p:sldId id="278" r:id="rId15"/>
+    <p:sldId id="271" r:id="rId16"/>
+    <p:sldId id="272" r:id="rId17"/>
   </p:sldIdLst>
   <p:sldSz cx="9144000" cy="5143500" type="screen16x9"/>
   <p:notesSz cx="6858000" cy="9144000"/>
@@ -747,7 +748,7 @@
             <a:fld id="{2327B46A-A7B0-4439-A631-85FEAA83BA26}" type="datetimeFigureOut">
               <a:rPr lang="ru-RU" smtClean="0"/>
               <a:pPr/>
-              <a:t>04.10.2020</a:t>
+              <a:t>28.10.2020</a:t>
             </a:fld>
             <a:endParaRPr lang="ru-RU" dirty="0"/>
           </a:p>
@@ -945,7 +946,7 @@
             <a:fld id="{2327B46A-A7B0-4439-A631-85FEAA83BA26}" type="datetimeFigureOut">
               <a:rPr lang="ru-RU" smtClean="0"/>
               <a:pPr/>
-              <a:t>04.10.2020</a:t>
+              <a:t>28.10.2020</a:t>
             </a:fld>
             <a:endParaRPr lang="ru-RU" dirty="0"/>
           </a:p>
@@ -1132,7 +1133,7 @@
             <a:fld id="{2327B46A-A7B0-4439-A631-85FEAA83BA26}" type="datetimeFigureOut">
               <a:rPr lang="ru-RU" smtClean="0"/>
               <a:pPr/>
-              <a:t>04.10.2020</a:t>
+              <a:t>28.10.2020</a:t>
             </a:fld>
             <a:endParaRPr lang="ru-RU" dirty="0"/>
           </a:p>
@@ -1284,7 +1285,7 @@
             <a:fld id="{2327B46A-A7B0-4439-A631-85FEAA83BA26}" type="datetimeFigureOut">
               <a:rPr lang="ru-RU" smtClean="0"/>
               <a:pPr/>
-              <a:t>04.10.2020</a:t>
+              <a:t>28.10.2020</a:t>
             </a:fld>
             <a:endParaRPr lang="ru-RU" dirty="0"/>
           </a:p>
@@ -1541,7 +1542,7 @@
             <a:fld id="{2327B46A-A7B0-4439-A631-85FEAA83BA26}" type="datetimeFigureOut">
               <a:rPr lang="ru-RU" smtClean="0"/>
               <a:pPr/>
-              <a:t>04.10.2020</a:t>
+              <a:t>28.10.2020</a:t>
             </a:fld>
             <a:endParaRPr lang="ru-RU" dirty="0"/>
           </a:p>
@@ -1952,7 +1953,7 @@
             <a:fld id="{2327B46A-A7B0-4439-A631-85FEAA83BA26}" type="datetimeFigureOut">
               <a:rPr lang="ru-RU" smtClean="0"/>
               <a:pPr/>
-              <a:t>04.10.2020</a:t>
+              <a:t>28.10.2020</a:t>
             </a:fld>
             <a:endParaRPr lang="ru-RU" dirty="0"/>
           </a:p>
@@ -2400,7 +2401,7 @@
             <a:fld id="{2327B46A-A7B0-4439-A631-85FEAA83BA26}" type="datetimeFigureOut">
               <a:rPr lang="ru-RU" smtClean="0"/>
               <a:pPr/>
-              <a:t>04.10.2020</a:t>
+              <a:t>28.10.2020</a:t>
             </a:fld>
             <a:endParaRPr lang="ru-RU" dirty="0"/>
           </a:p>
@@ -2503,7 +2504,7 @@
             <a:fld id="{2327B46A-A7B0-4439-A631-85FEAA83BA26}" type="datetimeFigureOut">
               <a:rPr lang="ru-RU" smtClean="0"/>
               <a:pPr/>
-              <a:t>04.10.2020</a:t>
+              <a:t>28.10.2020</a:t>
             </a:fld>
             <a:endParaRPr lang="ru-RU" dirty="0"/>
           </a:p>
@@ -2626,7 +2627,7 @@
             <a:fld id="{2327B46A-A7B0-4439-A631-85FEAA83BA26}" type="datetimeFigureOut">
               <a:rPr lang="ru-RU" smtClean="0"/>
               <a:pPr/>
-              <a:t>04.10.2020</a:t>
+              <a:t>28.10.2020</a:t>
             </a:fld>
             <a:endParaRPr lang="ru-RU" dirty="0"/>
           </a:p>
@@ -2902,7 +2903,7 @@
             <a:fld id="{2327B46A-A7B0-4439-A631-85FEAA83BA26}" type="datetimeFigureOut">
               <a:rPr lang="ru-RU" smtClean="0"/>
               <a:pPr/>
-              <a:t>04.10.2020</a:t>
+              <a:t>28.10.2020</a:t>
             </a:fld>
             <a:endParaRPr lang="ru-RU" dirty="0"/>
           </a:p>
@@ -3109,7 +3110,7 @@
             <a:fld id="{2327B46A-A7B0-4439-A631-85FEAA83BA26}" type="datetimeFigureOut">
               <a:rPr lang="ru-RU" smtClean="0"/>
               <a:pPr/>
-              <a:t>04.10.2020</a:t>
+              <a:t>28.10.2020</a:t>
             </a:fld>
             <a:endParaRPr lang="ru-RU" dirty="0"/>
           </a:p>
@@ -4220,7 +4221,7 @@
             <a:fld id="{2327B46A-A7B0-4439-A631-85FEAA83BA26}" type="datetimeFigureOut">
               <a:rPr lang="ru-RU" smtClean="0"/>
               <a:pPr/>
-              <a:t>04.10.2020</a:t>
+              <a:t>28.10.2020</a:t>
             </a:fld>
             <a:endParaRPr lang="ru-RU" dirty="0"/>
           </a:p>
@@ -4819,63 +4820,25 @@
           <a:p>
             <a:r>
               <a:rPr lang="ru-RU" dirty="0" smtClean="0"/>
-              <a:t>Выполнение запроса</a:t>
-            </a:r>
-          </a:p>
-          <a:p>
+              <a:t>Генерация данных</a:t>
+            </a:r>
             <a:r>
               <a:rPr lang="ru-RU" dirty="0" smtClean="0"/>
-              <a:t>Настройка профиля нагрузки</a:t>
-            </a:r>
-          </a:p>
-          <a:p>
-            <a:pPr lvl="1"/>
+              <a:t>(объемное тестирование)</a:t>
+            </a:r>
+          </a:p>
+          <a:p>
             <a:r>
               <a:rPr lang="ru-RU" dirty="0" smtClean="0"/>
-              <a:t>Количество потоков</a:t>
-            </a:r>
-          </a:p>
-          <a:p>
-            <a:pPr lvl="1"/>
+              <a:t>Конфигурационное тестирование</a:t>
+            </a:r>
+          </a:p>
+          <a:p>
             <a:r>
               <a:rPr lang="ru-RU" dirty="0" smtClean="0"/>
-              <a:t>Количество повторений</a:t>
-            </a:r>
-          </a:p>
-          <a:p>
-            <a:r>
-              <a:rPr lang="ru-RU" dirty="0" smtClean="0"/>
-              <a:t>Генерация тестовых данных</a:t>
-            </a:r>
-          </a:p>
-          <a:p>
-            <a:pPr lvl="1"/>
-            <a:r>
-              <a:rPr lang="ru-RU" dirty="0" smtClean="0"/>
-              <a:t>Статика</a:t>
-            </a:r>
-          </a:p>
-          <a:p>
-            <a:pPr lvl="1"/>
-            <a:r>
-              <a:rPr lang="ru-RU" dirty="0" smtClean="0"/>
-              <a:t>Генерация кодом</a:t>
-            </a:r>
-          </a:p>
-          <a:p>
-            <a:pPr lvl="1"/>
-            <a:r>
-              <a:rPr lang="ru-RU" dirty="0" smtClean="0"/>
-              <a:t>Из внешнего источника (файл, </a:t>
-            </a:r>
-            <a:r>
-              <a:rPr lang="ru-RU" dirty="0" err="1" smtClean="0"/>
-              <a:t>бд</a:t>
-            </a:r>
-            <a:r>
-              <a:rPr lang="ru-RU" dirty="0" smtClean="0"/>
-              <a:t>,…)</a:t>
-            </a:r>
+              <a:t>Тестирование на отказ и восстановление</a:t>
+            </a:r>
+            <a:endParaRPr lang="ru-RU" dirty="0" smtClean="0"/>
           </a:p>
         </p:txBody>
       </p:sp>
@@ -4898,8 +4861,9 @@
           <a:p>
             <a:r>
               <a:rPr lang="ru-RU" sz="2400" dirty="0" smtClean="0"/>
-              <a:t>Генерация нагрузки</a:t>
-            </a:r>
+              <a:t>Что еще можно делать?</a:t>
+            </a:r>
+            <a:endParaRPr lang="ru-RU" sz="2400" dirty="0"/>
           </a:p>
         </p:txBody>
       </p:sp>
@@ -4912,6 +4876,333 @@
 </file>
 
 <file path=ppt/slides/slide12.xml><?xml version="1.0" encoding="utf-8"?>
+<p:sld xmlns:a="http://schemas.openxmlformats.org/drawingml/2006/main" xmlns:r="http://schemas.openxmlformats.org/officeDocument/2006/relationships" xmlns:p="http://schemas.openxmlformats.org/presentationml/2006/main" show="0">
+  <p:cSld>
+    <p:spTree>
+      <p:nvGrpSpPr>
+        <p:cNvPr id="1" name=""/>
+        <p:cNvGrpSpPr/>
+        <p:nvPr/>
+      </p:nvGrpSpPr>
+      <p:grpSpPr>
+        <a:xfrm>
+          <a:off x="0" y="0"/>
+          <a:ext cx="0" cy="0"/>
+          <a:chOff x="0" y="0"/>
+          <a:chExt cx="0" cy="0"/>
+        </a:xfrm>
+      </p:grpSpPr>
+      <p:sp>
+        <p:nvSpPr>
+          <p:cNvPr id="3" name="Содержимое 2"/>
+          <p:cNvSpPr>
+            <a:spLocks noGrp="1"/>
+          </p:cNvSpPr>
+          <p:nvPr>
+            <p:ph idx="1"/>
+          </p:nvPr>
+        </p:nvSpPr>
+        <p:spPr/>
+        <p:txBody>
+          <a:bodyPr>
+            <a:normAutofit/>
+          </a:bodyPr>
+          <a:lstStyle/>
+          <a:p>
+            <a:r>
+              <a:rPr lang="ru-RU" dirty="0" smtClean="0"/>
+              <a:t>Выполнение запроса</a:t>
+            </a:r>
+          </a:p>
+          <a:p>
+            <a:r>
+              <a:rPr lang="ru-RU" dirty="0" smtClean="0"/>
+              <a:t>Настройка профиля нагрузки</a:t>
+            </a:r>
+          </a:p>
+          <a:p>
+            <a:pPr lvl="1"/>
+            <a:r>
+              <a:rPr lang="ru-RU" dirty="0" smtClean="0"/>
+              <a:t>Количество потоков</a:t>
+            </a:r>
+          </a:p>
+          <a:p>
+            <a:pPr lvl="1"/>
+            <a:r>
+              <a:rPr lang="ru-RU" dirty="0" smtClean="0"/>
+              <a:t>Количество повторений</a:t>
+            </a:r>
+          </a:p>
+          <a:p>
+            <a:r>
+              <a:rPr lang="ru-RU" dirty="0" smtClean="0"/>
+              <a:t>Генерация тестовых данных</a:t>
+            </a:r>
+          </a:p>
+          <a:p>
+            <a:pPr lvl="1"/>
+            <a:r>
+              <a:rPr lang="ru-RU" dirty="0" smtClean="0"/>
+              <a:t>Статика</a:t>
+            </a:r>
+          </a:p>
+          <a:p>
+            <a:pPr lvl="1"/>
+            <a:r>
+              <a:rPr lang="ru-RU" dirty="0" smtClean="0"/>
+              <a:t>Генерация кодом</a:t>
+            </a:r>
+          </a:p>
+          <a:p>
+            <a:pPr lvl="1"/>
+            <a:r>
+              <a:rPr lang="ru-RU" dirty="0" smtClean="0"/>
+              <a:t>Из внешнего источника (файл, </a:t>
+            </a:r>
+            <a:r>
+              <a:rPr lang="ru-RU" dirty="0" err="1" smtClean="0"/>
+              <a:t>бд</a:t>
+            </a:r>
+            <a:r>
+              <a:rPr lang="ru-RU" dirty="0" smtClean="0"/>
+              <a:t>,…)</a:t>
+            </a:r>
+          </a:p>
+        </p:txBody>
+      </p:sp>
+      <p:sp>
+        <p:nvSpPr>
+          <p:cNvPr id="2" name="Заголовок 1"/>
+          <p:cNvSpPr>
+            <a:spLocks noGrp="1"/>
+          </p:cNvSpPr>
+          <p:nvPr>
+            <p:ph type="title"/>
+          </p:nvPr>
+        </p:nvSpPr>
+        <p:spPr/>
+        <p:txBody>
+          <a:bodyPr>
+            <a:noAutofit/>
+          </a:bodyPr>
+          <a:lstStyle/>
+          <a:p>
+            <a:r>
+              <a:rPr lang="ru-RU" sz="2400" dirty="0" smtClean="0"/>
+              <a:t>Генерация нагрузки</a:t>
+            </a:r>
+          </a:p>
+        </p:txBody>
+      </p:sp>
+    </p:spTree>
+  </p:cSld>
+  <p:clrMapOvr>
+    <a:masterClrMapping/>
+  </p:clrMapOvr>
+  <p:transition/>
+</p:sld>
+</file>
+
+<file path=ppt/slides/slide13.xml><?xml version="1.0" encoding="utf-8"?>
+<p:sld xmlns:a="http://schemas.openxmlformats.org/drawingml/2006/main" xmlns:r="http://schemas.openxmlformats.org/officeDocument/2006/relationships" xmlns:p="http://schemas.openxmlformats.org/presentationml/2006/main" show="0">
+  <p:cSld>
+    <p:spTree>
+      <p:nvGrpSpPr>
+        <p:cNvPr id="1" name=""/>
+        <p:cNvGrpSpPr/>
+        <p:nvPr/>
+      </p:nvGrpSpPr>
+      <p:grpSpPr>
+        <a:xfrm>
+          <a:off x="0" y="0"/>
+          <a:ext cx="0" cy="0"/>
+          <a:chOff x="0" y="0"/>
+          <a:chExt cx="0" cy="0"/>
+        </a:xfrm>
+      </p:grpSpPr>
+      <p:sp>
+        <p:nvSpPr>
+          <p:cNvPr id="3" name="Содержимое 2"/>
+          <p:cNvSpPr>
+            <a:spLocks noGrp="1"/>
+          </p:cNvSpPr>
+          <p:nvPr>
+            <p:ph idx="1"/>
+          </p:nvPr>
+        </p:nvSpPr>
+        <p:spPr/>
+        <p:txBody>
+          <a:bodyPr>
+            <a:normAutofit/>
+          </a:bodyPr>
+          <a:lstStyle/>
+          <a:p>
+            <a:r>
+              <a:rPr lang="ru-RU" dirty="0" smtClean="0"/>
+              <a:t>Проверка кода ответа</a:t>
+            </a:r>
+          </a:p>
+          <a:p>
+            <a:r>
+              <a:rPr lang="ru-RU" dirty="0" smtClean="0"/>
+              <a:t>Проверка размера ответа</a:t>
+            </a:r>
+          </a:p>
+          <a:p>
+            <a:r>
+              <a:rPr lang="ru-RU" dirty="0" smtClean="0"/>
+              <a:t>Проверка </a:t>
+            </a:r>
+            <a:r>
+              <a:rPr lang="ru-RU" smtClean="0"/>
+              <a:t>содержимого ответа</a:t>
+            </a:r>
+            <a:endParaRPr lang="ru-RU" dirty="0" smtClean="0"/>
+          </a:p>
+        </p:txBody>
+      </p:sp>
+      <p:sp>
+        <p:nvSpPr>
+          <p:cNvPr id="2" name="Заголовок 1"/>
+          <p:cNvSpPr>
+            <a:spLocks noGrp="1"/>
+          </p:cNvSpPr>
+          <p:nvPr>
+            <p:ph type="title"/>
+          </p:nvPr>
+        </p:nvSpPr>
+        <p:spPr/>
+        <p:txBody>
+          <a:bodyPr>
+            <a:noAutofit/>
+          </a:bodyPr>
+          <a:lstStyle/>
+          <a:p>
+            <a:r>
+              <a:rPr lang="ru-RU" sz="2400" dirty="0" smtClean="0"/>
+              <a:t>Проверка выполнения запросов</a:t>
+            </a:r>
+          </a:p>
+        </p:txBody>
+      </p:sp>
+    </p:spTree>
+  </p:cSld>
+  <p:clrMapOvr>
+    <a:masterClrMapping/>
+  </p:clrMapOvr>
+  <p:transition/>
+</p:sld>
+</file>
+
+<file path=ppt/slides/slide14.xml><?xml version="1.0" encoding="utf-8"?>
+<p:sld xmlns:a="http://schemas.openxmlformats.org/drawingml/2006/main" xmlns:r="http://schemas.openxmlformats.org/officeDocument/2006/relationships" xmlns:p="http://schemas.openxmlformats.org/presentationml/2006/main" show="0">
+  <p:cSld>
+    <p:spTree>
+      <p:nvGrpSpPr>
+        <p:cNvPr id="1" name=""/>
+        <p:cNvGrpSpPr/>
+        <p:nvPr/>
+      </p:nvGrpSpPr>
+      <p:grpSpPr>
+        <a:xfrm>
+          <a:off x="0" y="0"/>
+          <a:ext cx="0" cy="0"/>
+          <a:chOff x="0" y="0"/>
+          <a:chExt cx="0" cy="0"/>
+        </a:xfrm>
+      </p:grpSpPr>
+      <p:sp>
+        <p:nvSpPr>
+          <p:cNvPr id="3" name="Содержимое 2"/>
+          <p:cNvSpPr>
+            <a:spLocks noGrp="1"/>
+          </p:cNvSpPr>
+          <p:nvPr>
+            <p:ph idx="1"/>
+          </p:nvPr>
+        </p:nvSpPr>
+        <p:spPr/>
+        <p:txBody>
+          <a:bodyPr>
+            <a:normAutofit lnSpcReduction="10000"/>
+          </a:bodyPr>
+          <a:lstStyle/>
+          <a:p>
+            <a:r>
+              <a:rPr lang="ru-RU" dirty="0" smtClean="0"/>
+              <a:t>Получение статуса ответа, замер времени выполнения</a:t>
+            </a:r>
+          </a:p>
+          <a:p>
+            <a:r>
+              <a:rPr lang="ru-RU" dirty="0" smtClean="0"/>
+              <a:t>Вывод итогового и промежуточного протоколов прогона в </a:t>
+            </a:r>
+          </a:p>
+          <a:p>
+            <a:pPr lvl="1"/>
+            <a:r>
+              <a:rPr lang="ru-RU" dirty="0" smtClean="0"/>
+              <a:t>Консоль</a:t>
+            </a:r>
+          </a:p>
+          <a:p>
+            <a:pPr lvl="1"/>
+            <a:r>
+              <a:rPr lang="ru-RU" dirty="0" smtClean="0"/>
+              <a:t>Файл</a:t>
+            </a:r>
+          </a:p>
+          <a:p>
+            <a:pPr lvl="1"/>
+            <a:r>
+              <a:rPr lang="ru-RU" dirty="0" smtClean="0"/>
+              <a:t>Отчет</a:t>
+            </a:r>
+          </a:p>
+          <a:p>
+            <a:r>
+              <a:rPr lang="ru-RU" dirty="0" smtClean="0"/>
+              <a:t>Отправка метрик во внешнюю систему</a:t>
+            </a:r>
+          </a:p>
+        </p:txBody>
+      </p:sp>
+      <p:sp>
+        <p:nvSpPr>
+          <p:cNvPr id="2" name="Заголовок 1"/>
+          <p:cNvSpPr>
+            <a:spLocks noGrp="1"/>
+          </p:cNvSpPr>
+          <p:nvPr>
+            <p:ph type="title"/>
+          </p:nvPr>
+        </p:nvSpPr>
+        <p:spPr/>
+        <p:txBody>
+          <a:bodyPr>
+            <a:noAutofit/>
+          </a:bodyPr>
+          <a:lstStyle/>
+          <a:p>
+            <a:r>
+              <a:rPr lang="ru-RU" sz="2400" dirty="0" smtClean="0"/>
+              <a:t>Предоставление метрик производительности, результатов тестов</a:t>
+            </a:r>
+          </a:p>
+        </p:txBody>
+      </p:sp>
+    </p:spTree>
+  </p:cSld>
+  <p:clrMapOvr>
+    <a:masterClrMapping/>
+  </p:clrMapOvr>
+  <p:transition/>
+</p:sld>
+</file>
+
+<file path=ppt/slides/slide15.xml><?xml version="1.0" encoding="utf-8"?>
 <p:sld xmlns:a="http://schemas.openxmlformats.org/drawingml/2006/main" xmlns:r="http://schemas.openxmlformats.org/officeDocument/2006/relationships" xmlns:p="http://schemas.openxmlformats.org/presentationml/2006/main">
   <p:cSld>
     <p:spTree>
@@ -4930,7 +5221,7 @@
       </p:grpSpPr>
       <p:sp>
         <p:nvSpPr>
-          <p:cNvPr id="3" name="Содержимое 2"/>
+          <p:cNvPr id="5" name="Содержимое 4"/>
           <p:cNvSpPr>
             <a:spLocks noGrp="1"/>
           </p:cNvSpPr>
@@ -4940,56 +5231,33 @@
         </p:nvSpPr>
         <p:spPr/>
         <p:txBody>
-          <a:bodyPr>
-            <a:normAutofit/>
-          </a:bodyPr>
+          <a:bodyPr/>
           <a:lstStyle/>
           <a:p>
+            <a:endParaRPr lang="ru-RU" dirty="0"/>
+          </a:p>
+        </p:txBody>
+      </p:sp>
+      <p:sp>
+        <p:nvSpPr>
+          <p:cNvPr id="3" name="Заголовок 2"/>
+          <p:cNvSpPr>
+            <a:spLocks noGrp="1"/>
+          </p:cNvSpPr>
+          <p:nvPr>
+            <p:ph type="title"/>
+          </p:nvPr>
+        </p:nvSpPr>
+        <p:spPr/>
+        <p:txBody>
+          <a:bodyPr/>
+          <a:lstStyle/>
+          <a:p>
             <a:r>
               <a:rPr lang="ru-RU" dirty="0" smtClean="0"/>
-              <a:t>Проверка кода ответа</a:t>
-            </a:r>
-          </a:p>
-          <a:p>
-            <a:r>
-              <a:rPr lang="ru-RU" dirty="0" smtClean="0"/>
-              <a:t>Проверка размера ответа</a:t>
-            </a:r>
-          </a:p>
-          <a:p>
-            <a:r>
-              <a:rPr lang="ru-RU" dirty="0" smtClean="0"/>
-              <a:t>Проверка </a:t>
-            </a:r>
-            <a:r>
-              <a:rPr lang="ru-RU" smtClean="0"/>
-              <a:t>содержимого ответа</a:t>
-            </a:r>
-            <a:endParaRPr lang="ru-RU" dirty="0" smtClean="0"/>
-          </a:p>
-        </p:txBody>
-      </p:sp>
-      <p:sp>
-        <p:nvSpPr>
-          <p:cNvPr id="2" name="Заголовок 1"/>
-          <p:cNvSpPr>
-            <a:spLocks noGrp="1"/>
-          </p:cNvSpPr>
-          <p:nvPr>
-            <p:ph type="title"/>
-          </p:nvPr>
-        </p:nvSpPr>
-        <p:spPr/>
-        <p:txBody>
-          <a:bodyPr>
-            <a:noAutofit/>
-          </a:bodyPr>
-          <a:lstStyle/>
-          <a:p>
-            <a:r>
-              <a:rPr lang="ru-RU" sz="2400" dirty="0" smtClean="0"/>
-              <a:t>Проверка выполнения запросов</a:t>
-            </a:r>
+              <a:t>Обсуждение, вопросы</a:t>
+            </a:r>
+            <a:endParaRPr lang="ru-RU" dirty="0"/>
           </a:p>
         </p:txBody>
       </p:sp>
@@ -5001,180 +5269,7 @@
 </p:sld>
 </file>
 
-<file path=ppt/slides/slide13.xml><?xml version="1.0" encoding="utf-8"?>
-<p:sld xmlns:a="http://schemas.openxmlformats.org/drawingml/2006/main" xmlns:r="http://schemas.openxmlformats.org/officeDocument/2006/relationships" xmlns:p="http://schemas.openxmlformats.org/presentationml/2006/main">
-  <p:cSld>
-    <p:spTree>
-      <p:nvGrpSpPr>
-        <p:cNvPr id="1" name=""/>
-        <p:cNvGrpSpPr/>
-        <p:nvPr/>
-      </p:nvGrpSpPr>
-      <p:grpSpPr>
-        <a:xfrm>
-          <a:off x="0" y="0"/>
-          <a:ext cx="0" cy="0"/>
-          <a:chOff x="0" y="0"/>
-          <a:chExt cx="0" cy="0"/>
-        </a:xfrm>
-      </p:grpSpPr>
-      <p:sp>
-        <p:nvSpPr>
-          <p:cNvPr id="3" name="Содержимое 2"/>
-          <p:cNvSpPr>
-            <a:spLocks noGrp="1"/>
-          </p:cNvSpPr>
-          <p:nvPr>
-            <p:ph idx="1"/>
-          </p:nvPr>
-        </p:nvSpPr>
-        <p:spPr/>
-        <p:txBody>
-          <a:bodyPr>
-            <a:normAutofit lnSpcReduction="10000"/>
-          </a:bodyPr>
-          <a:lstStyle/>
-          <a:p>
-            <a:r>
-              <a:rPr lang="ru-RU" dirty="0" smtClean="0"/>
-              <a:t>Получение статуса ответа, замер времени выполнения</a:t>
-            </a:r>
-          </a:p>
-          <a:p>
-            <a:r>
-              <a:rPr lang="ru-RU" dirty="0" smtClean="0"/>
-              <a:t>Вывод итогового и промежуточного протоколов прогона в </a:t>
-            </a:r>
-          </a:p>
-          <a:p>
-            <a:pPr lvl="1"/>
-            <a:r>
-              <a:rPr lang="ru-RU" dirty="0" smtClean="0"/>
-              <a:t>Консоль</a:t>
-            </a:r>
-          </a:p>
-          <a:p>
-            <a:pPr lvl="1"/>
-            <a:r>
-              <a:rPr lang="ru-RU" dirty="0" smtClean="0"/>
-              <a:t>Файл</a:t>
-            </a:r>
-          </a:p>
-          <a:p>
-            <a:pPr lvl="1"/>
-            <a:r>
-              <a:rPr lang="ru-RU" dirty="0" smtClean="0"/>
-              <a:t>Отчет</a:t>
-            </a:r>
-          </a:p>
-          <a:p>
-            <a:r>
-              <a:rPr lang="ru-RU" dirty="0" smtClean="0"/>
-              <a:t>Отправка метрик во внешнюю систему</a:t>
-            </a:r>
-          </a:p>
-        </p:txBody>
-      </p:sp>
-      <p:sp>
-        <p:nvSpPr>
-          <p:cNvPr id="2" name="Заголовок 1"/>
-          <p:cNvSpPr>
-            <a:spLocks noGrp="1"/>
-          </p:cNvSpPr>
-          <p:nvPr>
-            <p:ph type="title"/>
-          </p:nvPr>
-        </p:nvSpPr>
-        <p:spPr/>
-        <p:txBody>
-          <a:bodyPr>
-            <a:noAutofit/>
-          </a:bodyPr>
-          <a:lstStyle/>
-          <a:p>
-            <a:r>
-              <a:rPr lang="ru-RU" sz="2400" dirty="0" smtClean="0"/>
-              <a:t>Предоставление метрик производительности, результатов тестов</a:t>
-            </a:r>
-          </a:p>
-        </p:txBody>
-      </p:sp>
-    </p:spTree>
-  </p:cSld>
-  <p:clrMapOvr>
-    <a:masterClrMapping/>
-  </p:clrMapOvr>
-</p:sld>
-</file>
-
-<file path=ppt/slides/slide14.xml><?xml version="1.0" encoding="utf-8"?>
-<p:sld xmlns:a="http://schemas.openxmlformats.org/drawingml/2006/main" xmlns:r="http://schemas.openxmlformats.org/officeDocument/2006/relationships" xmlns:p="http://schemas.openxmlformats.org/presentationml/2006/main">
-  <p:cSld>
-    <p:spTree>
-      <p:nvGrpSpPr>
-        <p:cNvPr id="1" name=""/>
-        <p:cNvGrpSpPr/>
-        <p:nvPr/>
-      </p:nvGrpSpPr>
-      <p:grpSpPr>
-        <a:xfrm>
-          <a:off x="0" y="0"/>
-          <a:ext cx="0" cy="0"/>
-          <a:chOff x="0" y="0"/>
-          <a:chExt cx="0" cy="0"/>
-        </a:xfrm>
-      </p:grpSpPr>
-      <p:sp>
-        <p:nvSpPr>
-          <p:cNvPr id="5" name="Содержимое 4"/>
-          <p:cNvSpPr>
-            <a:spLocks noGrp="1"/>
-          </p:cNvSpPr>
-          <p:nvPr>
-            <p:ph idx="1"/>
-          </p:nvPr>
-        </p:nvSpPr>
-        <p:spPr/>
-        <p:txBody>
-          <a:bodyPr/>
-          <a:lstStyle/>
-          <a:p>
-            <a:endParaRPr lang="ru-RU" dirty="0"/>
-          </a:p>
-        </p:txBody>
-      </p:sp>
-      <p:sp>
-        <p:nvSpPr>
-          <p:cNvPr id="3" name="Заголовок 2"/>
-          <p:cNvSpPr>
-            <a:spLocks noGrp="1"/>
-          </p:cNvSpPr>
-          <p:nvPr>
-            <p:ph type="title"/>
-          </p:nvPr>
-        </p:nvSpPr>
-        <p:spPr/>
-        <p:txBody>
-          <a:bodyPr/>
-          <a:lstStyle/>
-          <a:p>
-            <a:r>
-              <a:rPr lang="ru-RU" dirty="0" smtClean="0"/>
-              <a:t>Обсуждение, вопросы</a:t>
-            </a:r>
-            <a:endParaRPr lang="ru-RU" dirty="0"/>
-          </a:p>
-        </p:txBody>
-      </p:sp>
-    </p:spTree>
-  </p:cSld>
-  <p:clrMapOvr>
-    <a:masterClrMapping/>
-  </p:clrMapOvr>
-</p:sld>
-</file>
-
-<file path=ppt/slides/slide15.xml><?xml version="1.0" encoding="utf-8"?>
+<file path=ppt/slides/slide16.xml><?xml version="1.0" encoding="utf-8"?>
 <p:sld xmlns:a="http://schemas.openxmlformats.org/drawingml/2006/main" xmlns:r="http://schemas.openxmlformats.org/officeDocument/2006/relationships" xmlns:p="http://schemas.openxmlformats.org/presentationml/2006/main">
   <p:cSld>
     <p:spTree>
@@ -5458,51 +5553,70 @@
         <p:spPr/>
         <p:txBody>
           <a:bodyPr>
-            <a:normAutofit/>
+            <a:normAutofit fontScale="77500" lnSpcReduction="20000"/>
           </a:bodyPr>
           <a:lstStyle/>
           <a:p>
             <a:r>
               <a:rPr lang="ru-RU" dirty="0" smtClean="0"/>
-              <a:t>Введение, базовые понятия</a:t>
+              <a:t>Цель тестирования</a:t>
             </a:r>
           </a:p>
           <a:p>
             <a:r>
               <a:rPr lang="ru-RU" dirty="0" smtClean="0"/>
-              <a:t>Простой тест в </a:t>
-            </a:r>
-            <a:r>
-              <a:rPr lang="en-US" dirty="0" smtClean="0"/>
-              <a:t>AB</a:t>
-            </a:r>
-            <a:endParaRPr lang="ru-RU" dirty="0" smtClean="0"/>
-          </a:p>
-          <a:p>
-            <a:r>
-              <a:rPr lang="ru-RU" dirty="0" err="1" smtClean="0"/>
-              <a:t>Тестыв</a:t>
-            </a:r>
+              <a:t>Объект тестирования</a:t>
+            </a:r>
+          </a:p>
+          <a:p>
             <a:r>
               <a:rPr lang="ru-RU" dirty="0" smtClean="0"/>
-              <a:t> </a:t>
-            </a:r>
-            <a:r>
-              <a:rPr lang="en-US" dirty="0" err="1" smtClean="0"/>
-              <a:t>Jmeter</a:t>
-            </a:r>
-            <a:endParaRPr lang="en-US" dirty="0" smtClean="0"/>
+              <a:t>Тестовый сценарий</a:t>
+            </a:r>
           </a:p>
           <a:p>
             <a:r>
               <a:rPr lang="ru-RU" dirty="0" smtClean="0"/>
-              <a:t>Тест в </a:t>
-            </a:r>
-            <a:r>
-              <a:rPr lang="en-US" dirty="0" smtClean="0"/>
-              <a:t>Gatling</a:t>
-            </a:r>
-            <a:endParaRPr lang="ru-RU" dirty="0" smtClean="0"/>
+              <a:t>Порядок генерации нагрузки(профиль, тестовые данные)</a:t>
+            </a:r>
+          </a:p>
+          <a:p>
+            <a:r>
+              <a:rPr lang="ru-RU" dirty="0" smtClean="0"/>
+              <a:t>Подготовка тестового стенда</a:t>
+            </a:r>
+          </a:p>
+          <a:p>
+            <a:r>
+              <a:rPr lang="ru-RU" dirty="0" smtClean="0">
+                <a:solidFill>
+                  <a:srgbClr val="00B0F0"/>
+                </a:solidFill>
+              </a:rPr>
+              <a:t>Инструмент тестирования и реализация тестов</a:t>
+            </a:r>
+          </a:p>
+          <a:p>
+            <a:r>
+              <a:rPr lang="ru-RU" dirty="0" smtClean="0">
+                <a:solidFill>
+                  <a:srgbClr val="00B0F0"/>
+                </a:solidFill>
+              </a:rPr>
+              <a:t>Сбор показателей(метрик) и предоставление отчетов</a:t>
+            </a:r>
+          </a:p>
+          <a:p>
+            <a:r>
+              <a:rPr lang="ru-RU" dirty="0" smtClean="0"/>
+              <a:t>Порядок интерпретаций метрик и отчетов</a:t>
+            </a:r>
+          </a:p>
+          <a:p>
+            <a:r>
+              <a:rPr lang="ru-RU" dirty="0" smtClean="0"/>
+              <a:t>Условия успешного завершения</a:t>
+            </a:r>
           </a:p>
         </p:txBody>
       </p:sp>
@@ -5525,7 +5639,11 @@
           <a:p>
             <a:r>
               <a:rPr lang="ru-RU" sz="2400" dirty="0" smtClean="0"/>
-              <a:t>Краткий план МК</a:t>
+              <a:t>План </a:t>
+            </a:r>
+            <a:r>
+              <a:rPr lang="ru-RU" sz="2400" dirty="0" smtClean="0"/>
+              <a:t>тестирования производительности</a:t>
             </a:r>
             <a:endParaRPr lang="ru-RU" sz="2400" dirty="0"/>
           </a:p>
@@ -5575,8 +5693,56 @@
           <a:p>
             <a:r>
               <a:rPr lang="ru-RU" dirty="0" smtClean="0"/>
-              <a:t>Процесс тестирования с целью определить производительность программного продукта.</a:t>
-            </a:r>
+              <a:t>Введение, базовые </a:t>
+            </a:r>
+            <a:r>
+              <a:rPr lang="ru-RU" dirty="0" smtClean="0"/>
+              <a:t>понятия</a:t>
+            </a:r>
+          </a:p>
+          <a:p>
+            <a:r>
+              <a:rPr lang="ru-RU" dirty="0" smtClean="0"/>
+              <a:t>Простые запросы в командной строке</a:t>
+            </a:r>
+            <a:endParaRPr lang="ru-RU" dirty="0" smtClean="0"/>
+          </a:p>
+          <a:p>
+            <a:r>
+              <a:rPr lang="ru-RU" dirty="0" smtClean="0"/>
+              <a:t>Тесты в </a:t>
+            </a:r>
+            <a:r>
+              <a:rPr lang="en-US" dirty="0" err="1" smtClean="0"/>
+              <a:t>Jmeter</a:t>
+            </a:r>
+            <a:endParaRPr lang="en-US" dirty="0" smtClean="0"/>
+          </a:p>
+          <a:p>
+            <a:r>
+              <a:rPr lang="ru-RU" dirty="0" smtClean="0"/>
+              <a:t>Тест в </a:t>
+            </a:r>
+            <a:r>
+              <a:rPr lang="en-US" dirty="0" smtClean="0"/>
+              <a:t>Gatling</a:t>
+            </a:r>
+            <a:endParaRPr lang="ru-RU" dirty="0" smtClean="0"/>
+          </a:p>
+          <a:p>
+            <a:r>
+              <a:rPr lang="ru-RU" dirty="0" smtClean="0"/>
+              <a:t>Тест в </a:t>
+            </a:r>
+            <a:r>
+              <a:rPr lang="en-US" dirty="0" err="1" smtClean="0"/>
+              <a:t>Yandex</a:t>
+            </a:r>
+            <a:r>
+              <a:rPr lang="en-US" dirty="0" smtClean="0"/>
+              <a:t>-tank</a:t>
+            </a:r>
+            <a:endParaRPr lang="ru-RU" dirty="0" smtClean="0"/>
           </a:p>
         </p:txBody>
       </p:sp>
@@ -5599,23 +5765,7 @@
           <a:p>
             <a:r>
               <a:rPr lang="ru-RU" sz="2400" dirty="0" smtClean="0"/>
-              <a:t>тестирование производительности (</a:t>
-            </a:r>
-            <a:r>
-              <a:rPr lang="ru-RU" sz="2400" dirty="0" err="1" smtClean="0"/>
-              <a:t>performance</a:t>
-            </a:r>
-            <a:r>
-              <a:rPr lang="ru-RU" sz="2400" dirty="0" smtClean="0"/>
-              <a:t> </a:t>
-            </a:r>
-            <a:r>
-              <a:rPr lang="ru-RU" sz="2400" dirty="0" err="1" smtClean="0"/>
-              <a:t>testing</a:t>
-            </a:r>
-            <a:r>
-              <a:rPr lang="ru-RU" sz="2400" dirty="0" smtClean="0"/>
-              <a:t>)</a:t>
+              <a:t>Краткий план МК</a:t>
             </a:r>
             <a:endParaRPr lang="ru-RU" sz="2400" dirty="0"/>
           </a:p>
@@ -5659,14 +5809,19 @@
         <p:spPr/>
         <p:txBody>
           <a:bodyPr>
-            <a:normAutofit fontScale="77500" lnSpcReduction="20000"/>
+            <a:normAutofit/>
           </a:bodyPr>
           <a:lstStyle/>
           <a:p>
             <a:r>
               <a:rPr lang="ru-RU" dirty="0" smtClean="0"/>
-              <a:t>Инструмент для проведения тестирования производительности, обычно имеющий две основные функции: генерация нагрузки и измерения тестовых операций. Генерация нагрузки может имитировать множественных пользователей или же большие объемы данных. Во время выполнения, с определенных операций снимаются и протоколируются замеры времени отклика. Инструменты тестирования производительности обычно выдают отчеты на основе протокола тестирования и графики нагрузки относительно времени отклика. </a:t>
-            </a:r>
+              <a:t>Степень, с которой система или компонент выполняет заложенные в нее функции в установленных рамках на время обработки и пропускную способность</a:t>
+            </a:r>
+            <a:r>
+              <a:rPr lang="ru-RU" dirty="0" smtClean="0"/>
+              <a:t>.</a:t>
+            </a:r>
+            <a:endParaRPr lang="ru-RU" dirty="0" smtClean="0"/>
           </a:p>
         </p:txBody>
       </p:sp>
@@ -5689,7 +5844,15 @@
           <a:p>
             <a:r>
               <a:rPr lang="ru-RU" sz="2400" dirty="0" smtClean="0"/>
-              <a:t>инструмент тестирования производительности (</a:t>
+              <a:t>П</a:t>
+            </a:r>
+            <a:r>
+              <a:rPr lang="ru-RU" sz="2400" dirty="0" smtClean="0"/>
+              <a:t>роизводительность </a:t>
+            </a:r>
+            <a:r>
+              <a:rPr lang="ru-RU" sz="2400" dirty="0" smtClean="0"/>
+              <a:t>(</a:t>
             </a:r>
             <a:r>
               <a:rPr lang="ru-RU" sz="2400" dirty="0" err="1" smtClean="0"/>
@@ -5697,23 +5860,7 @@
             </a:r>
             <a:r>
               <a:rPr lang="ru-RU" sz="2400" dirty="0" smtClean="0"/>
-              <a:t> </a:t>
-            </a:r>
-            <a:r>
-              <a:rPr lang="ru-RU" sz="2400" dirty="0" err="1" smtClean="0"/>
-              <a:t>testing</a:t>
-            </a:r>
-            <a:r>
-              <a:rPr lang="ru-RU" sz="2400" dirty="0" smtClean="0"/>
-              <a:t> </a:t>
-            </a:r>
-            <a:r>
-              <a:rPr lang="ru-RU" sz="2400" dirty="0" err="1" smtClean="0"/>
-              <a:t>tool</a:t>
-            </a:r>
-            <a:r>
-              <a:rPr lang="ru-RU" sz="2400" dirty="0" smtClean="0"/>
-              <a:t>): </a:t>
+              <a:t>):</a:t>
             </a:r>
             <a:endParaRPr lang="ru-RU" sz="2400" dirty="0"/>
           </a:p>
@@ -5763,7 +5910,7 @@
           <a:p>
             <a:r>
               <a:rPr lang="ru-RU" dirty="0" smtClean="0"/>
-              <a:t>Степень, с которой система или компонент выполняет заложенные в нее функции в установленных рамках на время обработки и пропускную способность. [IEEE 610] См. также эффективность.</a:t>
+              <a:t>Процесс тестирования с целью определить производительность программного продукта.</a:t>
             </a:r>
           </a:p>
         </p:txBody>
@@ -5787,7 +5934,11 @@
           <a:p>
             <a:r>
               <a:rPr lang="ru-RU" sz="2400" dirty="0" smtClean="0"/>
-              <a:t>производительность (</a:t>
+              <a:t>Тестирование </a:t>
+            </a:r>
+            <a:r>
+              <a:rPr lang="ru-RU" sz="2400" dirty="0" smtClean="0"/>
+              <a:t>производительности (</a:t>
             </a:r>
             <a:r>
               <a:rPr lang="ru-RU" sz="2400" dirty="0" err="1" smtClean="0"/>
@@ -5795,7 +5946,15 @@
             </a:r>
             <a:r>
               <a:rPr lang="ru-RU" sz="2400" dirty="0" smtClean="0"/>
-              <a:t>):</a:t>
+              <a:t> </a:t>
+            </a:r>
+            <a:r>
+              <a:rPr lang="ru-RU" sz="2400" dirty="0" err="1" smtClean="0"/>
+              <a:t>testing</a:t>
+            </a:r>
+            <a:r>
+              <a:rPr lang="ru-RU" sz="2400" dirty="0" smtClean="0"/>
+              <a:t>)</a:t>
             </a:r>
             <a:endParaRPr lang="ru-RU" sz="2400" dirty="0"/>
           </a:p>
@@ -5810,7 +5969,7 @@
 </file>
 
 <file path=ppt/slides/slide7.xml><?xml version="1.0" encoding="utf-8"?>
-<p:sld xmlns:a="http://schemas.openxmlformats.org/drawingml/2006/main" xmlns:r="http://schemas.openxmlformats.org/officeDocument/2006/relationships" xmlns:p="http://schemas.openxmlformats.org/presentationml/2006/main">
+<p:sld xmlns:a="http://schemas.openxmlformats.org/drawingml/2006/main" xmlns:r="http://schemas.openxmlformats.org/officeDocument/2006/relationships" xmlns:p="http://schemas.openxmlformats.org/presentationml/2006/main" show="0">
   <p:cSld>
     <p:spTree>
       <p:nvGrpSpPr>
@@ -5839,37 +5998,13 @@
         <p:spPr/>
         <p:txBody>
           <a:bodyPr>
-            <a:normAutofit fontScale="70000" lnSpcReduction="20000"/>
+            <a:normAutofit fontScale="77500" lnSpcReduction="20000"/>
           </a:bodyPr>
           <a:lstStyle/>
           <a:p>
             <a:r>
               <a:rPr lang="ru-RU" dirty="0" smtClean="0"/>
-              <a:t>Вид тестирования производительности, проводимый с целью оценить поведение компонента или системы под увеличивающейся нагрузкой (число одновременно работающих пользователей и/или число транзакций) для определения максимально допустимого уровня нагрузки для исследуемого компонента или системы. См. также тестирование производительности, стрессовое </a:t>
-            </a:r>
-            <a:r>
-              <a:rPr lang="ru-RU" dirty="0" err="1" smtClean="0"/>
-              <a:t>тестировение</a:t>
-            </a:r>
-            <a:r>
-              <a:rPr lang="ru-RU" dirty="0" smtClean="0"/>
-              <a:t>. нагрузочный тест (</a:t>
-            </a:r>
-            <a:r>
-              <a:rPr lang="ru-RU" dirty="0" err="1" smtClean="0"/>
-              <a:t>load</a:t>
-            </a:r>
-            <a:r>
-              <a:rPr lang="ru-RU" dirty="0" smtClean="0"/>
-              <a:t> </a:t>
-            </a:r>
-            <a:r>
-              <a:rPr lang="ru-RU" dirty="0" err="1" smtClean="0"/>
-              <a:t>test</a:t>
-            </a:r>
-            <a:r>
-              <a:rPr lang="ru-RU" dirty="0" smtClean="0"/>
-              <a:t>): Тип тестирования производительности, проводимый с целью оценки поведения компонента или системы при возрастающей нагрузке, например количестве параллельных пользователей и/или операций, а также определения какую нагрузку может выдержать компонент или с</a:t>
+              <a:t>Инструмент для проведения тестирования производительности, обычно имеющий две основные функции: генерация нагрузки и измерения тестовых операций. Генерация нагрузки может имитировать множественных пользователей или же большие объемы данных. Во время выполнения, с определенных операций снимаются и протоколируются замеры времени отклика. Инструменты тестирования производительности обычно выдают отчеты на основе протокола тестирования и графики нагрузки относительно времени отклика. </a:t>
             </a:r>
           </a:p>
         </p:txBody>
@@ -5893,11 +6028,11 @@
           <a:p>
             <a:r>
               <a:rPr lang="ru-RU" sz="2400" dirty="0" smtClean="0"/>
-              <a:t>Нагрузочное тестирование (</a:t>
+              <a:t>инструмент тестирования производительности (</a:t>
             </a:r>
             <a:r>
               <a:rPr lang="ru-RU" sz="2400" dirty="0" err="1" smtClean="0"/>
-              <a:t>load</a:t>
+              <a:t>performance</a:t>
             </a:r>
             <a:r>
               <a:rPr lang="ru-RU" sz="2400" dirty="0" smtClean="0"/>
@@ -5909,7 +6044,15 @@
             </a:r>
             <a:r>
               <a:rPr lang="ru-RU" sz="2400" dirty="0" smtClean="0"/>
-              <a:t>):</a:t>
+              <a:t> </a:t>
+            </a:r>
+            <a:r>
+              <a:rPr lang="ru-RU" sz="2400" dirty="0" err="1" smtClean="0"/>
+              <a:t>tool</a:t>
+            </a:r>
+            <a:r>
+              <a:rPr lang="ru-RU" sz="2400" dirty="0" smtClean="0"/>
+              <a:t>): </a:t>
             </a:r>
             <a:endParaRPr lang="ru-RU" sz="2400" dirty="0"/>
           </a:p>
@@ -5920,11 +6063,12 @@
   <p:clrMapOvr>
     <a:masterClrMapping/>
   </p:clrMapOvr>
+  <p:transition/>
 </p:sld>
 </file>
 
 <file path=ppt/slides/slide8.xml><?xml version="1.0" encoding="utf-8"?>
-<p:sld xmlns:a="http://schemas.openxmlformats.org/drawingml/2006/main" xmlns:r="http://schemas.openxmlformats.org/officeDocument/2006/relationships" xmlns:p="http://schemas.openxmlformats.org/presentationml/2006/main">
+<p:sld xmlns:a="http://schemas.openxmlformats.org/drawingml/2006/main" xmlns:r="http://schemas.openxmlformats.org/officeDocument/2006/relationships" xmlns:p="http://schemas.openxmlformats.org/presentationml/2006/main" show="0">
   <p:cSld>
     <p:spTree>
       <p:nvGrpSpPr>
@@ -5953,71 +6097,38 @@
         <p:spPr/>
         <p:txBody>
           <a:bodyPr>
-            <a:normAutofit fontScale="77500" lnSpcReduction="20000"/>
+            <a:normAutofit fontScale="70000" lnSpcReduction="20000"/>
           </a:bodyPr>
           <a:lstStyle/>
           <a:p>
             <a:r>
               <a:rPr lang="ru-RU" dirty="0" smtClean="0"/>
-              <a:t>Цель тестирования</a:t>
-            </a:r>
-          </a:p>
-          <a:p>
+              <a:t>Вид тестирования производительности, проводимый с целью оценить поведение компонента или системы под увеличивающейся нагрузкой (число одновременно работающих пользователей и/или число транзакций) для определения максимально допустимого уровня нагрузки для исследуемого компонента или системы. См. также тестирование производительности, стрессовое </a:t>
+            </a:r>
+            <a:r>
+              <a:rPr lang="ru-RU" dirty="0" err="1" smtClean="0"/>
+              <a:t>тестировение</a:t>
+            </a:r>
             <a:r>
               <a:rPr lang="ru-RU" dirty="0" smtClean="0"/>
-              <a:t>Объект тестирования</a:t>
-            </a:r>
-          </a:p>
-          <a:p>
+              <a:t>. нагрузочный тест (</a:t>
+            </a:r>
+            <a:r>
+              <a:rPr lang="ru-RU" dirty="0" err="1" smtClean="0"/>
+              <a:t>load</a:t>
+            </a:r>
             <a:r>
               <a:rPr lang="ru-RU" dirty="0" smtClean="0"/>
-              <a:t>Тестовый сценарий</a:t>
-            </a:r>
-          </a:p>
-          <a:p>
+              <a:t> </a:t>
+            </a:r>
+            <a:r>
+              <a:rPr lang="ru-RU" dirty="0" err="1" smtClean="0"/>
+              <a:t>test</a:t>
+            </a:r>
             <a:r>
               <a:rPr lang="ru-RU" dirty="0" smtClean="0"/>
-              <a:t>Порядок генерации нагрузки(профиль, тестовые данные)</a:t>
-            </a:r>
-          </a:p>
-          <a:p>
-            <a:r>
-              <a:rPr lang="ru-RU" dirty="0" smtClean="0"/>
-              <a:t>Подготовка тестового стенда</a:t>
-            </a:r>
-          </a:p>
-          <a:p>
-            <a:r>
-              <a:rPr lang="ru-RU" dirty="0" smtClean="0">
-                <a:solidFill>
-                  <a:srgbClr val="00B0F0"/>
-                </a:solidFill>
-              </a:rPr>
-              <a:t>Инструмент тестирования и реализация тестов</a:t>
-            </a:r>
-          </a:p>
-          <a:p>
-            <a:r>
-              <a:rPr lang="ru-RU" dirty="0" smtClean="0">
-                <a:solidFill>
-                  <a:srgbClr val="00B0F0"/>
-                </a:solidFill>
-              </a:rPr>
-              <a:t>Сбор показателей(метрик) и предоставление отчетов</a:t>
-            </a:r>
-          </a:p>
-          <a:p>
-            <a:r>
-              <a:rPr lang="ru-RU" dirty="0" smtClean="0"/>
-              <a:t>Порядок интерпретаций метрик и отчетов</a:t>
-            </a:r>
-          </a:p>
-          <a:p>
-            <a:r>
-              <a:rPr lang="ru-RU" dirty="0" smtClean="0"/>
-              <a:t>Условия успешного завершения</a:t>
-            </a:r>
-            <a:endParaRPr lang="ru-RU" dirty="0" smtClean="0"/>
+              <a:t>): Тип тестирования производительности, проводимый с целью оценки поведения компонента или системы при возрастающей нагрузке, например количестве параллельных пользователей и/или операций, а также определения какую нагрузку может выдержать компонент или с</a:t>
+            </a:r>
           </a:p>
         </p:txBody>
       </p:sp>
@@ -6040,7 +6151,23 @@
           <a:p>
             <a:r>
               <a:rPr lang="ru-RU" sz="2400" dirty="0" smtClean="0"/>
-              <a:t>План тестирования</a:t>
+              <a:t>Нагрузочное тестирование (</a:t>
+            </a:r>
+            <a:r>
+              <a:rPr lang="ru-RU" sz="2400" dirty="0" err="1" smtClean="0"/>
+              <a:t>load</a:t>
+            </a:r>
+            <a:r>
+              <a:rPr lang="ru-RU" sz="2400" dirty="0" smtClean="0"/>
+              <a:t> </a:t>
+            </a:r>
+            <a:r>
+              <a:rPr lang="ru-RU" sz="2400" dirty="0" err="1" smtClean="0"/>
+              <a:t>testing</a:t>
+            </a:r>
+            <a:r>
+              <a:rPr lang="ru-RU" sz="2400" dirty="0" smtClean="0"/>
+              <a:t>):</a:t>
             </a:r>
             <a:endParaRPr lang="ru-RU" sz="2400" dirty="0"/>
           </a:p>
@@ -6051,6 +6178,7 @@
   <p:clrMapOvr>
     <a:masterClrMapping/>
   </p:clrMapOvr>
+  <p:transition/>
 </p:sld>
 </file>
 

--- a/LoadTestStart.pptx
+++ b/LoadTestStart.pptx
@@ -7,20 +7,16 @@
   <p:sldIdLst>
     <p:sldId id="256" r:id="rId2"/>
     <p:sldId id="266" r:id="rId3"/>
-    <p:sldId id="282" r:id="rId4"/>
-    <p:sldId id="257" r:id="rId5"/>
-    <p:sldId id="275" r:id="rId6"/>
-    <p:sldId id="279" r:id="rId7"/>
-    <p:sldId id="274" r:id="rId8"/>
-    <p:sldId id="273" r:id="rId9"/>
-    <p:sldId id="283" r:id="rId10"/>
-    <p:sldId id="276" r:id="rId11"/>
-    <p:sldId id="284" r:id="rId12"/>
-    <p:sldId id="277" r:id="rId13"/>
-    <p:sldId id="281" r:id="rId14"/>
-    <p:sldId id="278" r:id="rId15"/>
-    <p:sldId id="271" r:id="rId16"/>
-    <p:sldId id="272" r:id="rId17"/>
+    <p:sldId id="257" r:id="rId4"/>
+    <p:sldId id="282" r:id="rId5"/>
+    <p:sldId id="279" r:id="rId6"/>
+    <p:sldId id="283" r:id="rId7"/>
+    <p:sldId id="276" r:id="rId8"/>
+    <p:sldId id="284" r:id="rId9"/>
+    <p:sldId id="271" r:id="rId10"/>
+    <p:sldId id="272" r:id="rId11"/>
+    <p:sldId id="274" r:id="rId12"/>
+    <p:sldId id="273" r:id="rId13"/>
   </p:sldIdLst>
   <p:sldSz cx="9144000" cy="5143500" type="screen16x9"/>
   <p:notesSz cx="6858000" cy="9144000"/>
@@ -748,7 +744,7 @@
             <a:fld id="{2327B46A-A7B0-4439-A631-85FEAA83BA26}" type="datetimeFigureOut">
               <a:rPr lang="ru-RU" smtClean="0"/>
               <a:pPr/>
-              <a:t>28.10.2020</a:t>
+              <a:t>02.11.2020</a:t>
             </a:fld>
             <a:endParaRPr lang="ru-RU" dirty="0"/>
           </a:p>
@@ -946,7 +942,7 @@
             <a:fld id="{2327B46A-A7B0-4439-A631-85FEAA83BA26}" type="datetimeFigureOut">
               <a:rPr lang="ru-RU" smtClean="0"/>
               <a:pPr/>
-              <a:t>28.10.2020</a:t>
+              <a:t>02.11.2020</a:t>
             </a:fld>
             <a:endParaRPr lang="ru-RU" dirty="0"/>
           </a:p>
@@ -1133,7 +1129,7 @@
             <a:fld id="{2327B46A-A7B0-4439-A631-85FEAA83BA26}" type="datetimeFigureOut">
               <a:rPr lang="ru-RU" smtClean="0"/>
               <a:pPr/>
-              <a:t>28.10.2020</a:t>
+              <a:t>02.11.2020</a:t>
             </a:fld>
             <a:endParaRPr lang="ru-RU" dirty="0"/>
           </a:p>
@@ -1285,7 +1281,7 @@
             <a:fld id="{2327B46A-A7B0-4439-A631-85FEAA83BA26}" type="datetimeFigureOut">
               <a:rPr lang="ru-RU" smtClean="0"/>
               <a:pPr/>
-              <a:t>28.10.2020</a:t>
+              <a:t>02.11.2020</a:t>
             </a:fld>
             <a:endParaRPr lang="ru-RU" dirty="0"/>
           </a:p>
@@ -1542,7 +1538,7 @@
             <a:fld id="{2327B46A-A7B0-4439-A631-85FEAA83BA26}" type="datetimeFigureOut">
               <a:rPr lang="ru-RU" smtClean="0"/>
               <a:pPr/>
-              <a:t>28.10.2020</a:t>
+              <a:t>02.11.2020</a:t>
             </a:fld>
             <a:endParaRPr lang="ru-RU" dirty="0"/>
           </a:p>
@@ -1953,7 +1949,7 @@
             <a:fld id="{2327B46A-A7B0-4439-A631-85FEAA83BA26}" type="datetimeFigureOut">
               <a:rPr lang="ru-RU" smtClean="0"/>
               <a:pPr/>
-              <a:t>28.10.2020</a:t>
+              <a:t>02.11.2020</a:t>
             </a:fld>
             <a:endParaRPr lang="ru-RU" dirty="0"/>
           </a:p>
@@ -2401,7 +2397,7 @@
             <a:fld id="{2327B46A-A7B0-4439-A631-85FEAA83BA26}" type="datetimeFigureOut">
               <a:rPr lang="ru-RU" smtClean="0"/>
               <a:pPr/>
-              <a:t>28.10.2020</a:t>
+              <a:t>02.11.2020</a:t>
             </a:fld>
             <a:endParaRPr lang="ru-RU" dirty="0"/>
           </a:p>
@@ -2504,7 +2500,7 @@
             <a:fld id="{2327B46A-A7B0-4439-A631-85FEAA83BA26}" type="datetimeFigureOut">
               <a:rPr lang="ru-RU" smtClean="0"/>
               <a:pPr/>
-              <a:t>28.10.2020</a:t>
+              <a:t>02.11.2020</a:t>
             </a:fld>
             <a:endParaRPr lang="ru-RU" dirty="0"/>
           </a:p>
@@ -2627,7 +2623,7 @@
             <a:fld id="{2327B46A-A7B0-4439-A631-85FEAA83BA26}" type="datetimeFigureOut">
               <a:rPr lang="ru-RU" smtClean="0"/>
               <a:pPr/>
-              <a:t>28.10.2020</a:t>
+              <a:t>02.11.2020</a:t>
             </a:fld>
             <a:endParaRPr lang="ru-RU" dirty="0"/>
           </a:p>
@@ -2903,7 +2899,7 @@
             <a:fld id="{2327B46A-A7B0-4439-A631-85FEAA83BA26}" type="datetimeFigureOut">
               <a:rPr lang="ru-RU" smtClean="0"/>
               <a:pPr/>
-              <a:t>28.10.2020</a:t>
+              <a:t>02.11.2020</a:t>
             </a:fld>
             <a:endParaRPr lang="ru-RU" dirty="0"/>
           </a:p>
@@ -3110,7 +3106,7 @@
             <a:fld id="{2327B46A-A7B0-4439-A631-85FEAA83BA26}" type="datetimeFigureOut">
               <a:rPr lang="ru-RU" smtClean="0"/>
               <a:pPr/>
-              <a:t>28.10.2020</a:t>
+              <a:t>02.11.2020</a:t>
             </a:fld>
             <a:endParaRPr lang="ru-RU" dirty="0"/>
           </a:p>
@@ -4221,7 +4217,7 @@
             <a:fld id="{2327B46A-A7B0-4439-A631-85FEAA83BA26}" type="datetimeFigureOut">
               <a:rPr lang="ru-RU" smtClean="0"/>
               <a:pPr/>
-              <a:t>28.10.2020</a:t>
+              <a:t>02.11.2020</a:t>
             </a:fld>
             <a:endParaRPr lang="ru-RU" dirty="0"/>
           </a:p>
@@ -4717,7 +4713,7 @@
       </p:grpSpPr>
       <p:sp>
         <p:nvSpPr>
-          <p:cNvPr id="3" name="Содержимое 2"/>
+          <p:cNvPr id="5" name="Содержимое 4"/>
           <p:cNvSpPr>
             <a:spLocks noGrp="1"/>
           </p:cNvSpPr>
@@ -4727,52 +4723,65 @@
         </p:nvSpPr>
         <p:spPr/>
         <p:txBody>
-          <a:bodyPr>
-            <a:normAutofit/>
-          </a:bodyPr>
+          <a:bodyPr/>
           <a:lstStyle/>
           <a:p>
             <a:r>
+              <a:rPr lang="ru-RU" dirty="0" err="1" smtClean="0"/>
+              <a:t>Махетов</a:t>
+            </a:r>
+            <a:r>
               <a:rPr lang="ru-RU" dirty="0" smtClean="0"/>
-              <a:t>Генерация нагрузки</a:t>
-            </a:r>
-          </a:p>
+              <a:t> Сергей</a:t>
+            </a:r>
+            <a:endParaRPr lang="en-US" dirty="0" smtClean="0"/>
+          </a:p>
+          <a:p>
+            <a:r>
+              <a:rPr lang="en-US" dirty="0" smtClean="0"/>
+              <a:t>E-mail: Profitfx@mail.ru</a:t>
+            </a:r>
+          </a:p>
+          <a:p>
+            <a:r>
+              <a:rPr lang="en-US" dirty="0" smtClean="0"/>
+              <a:t>Telegram: @</a:t>
+            </a:r>
+            <a:r>
+              <a:rPr lang="en-US" dirty="0" err="1" smtClean="0"/>
+              <a:t>Mahetovs</a:t>
+            </a:r>
+            <a:endParaRPr lang="ru-RU" dirty="0" smtClean="0"/>
+          </a:p>
+          <a:p>
+            <a:r>
+              <a:rPr lang="en-US" dirty="0" smtClean="0"/>
+              <a:t>https://tech.kontur.ru/</a:t>
+            </a:r>
+            <a:endParaRPr lang="ru-RU" dirty="0" smtClean="0"/>
+          </a:p>
+        </p:txBody>
+      </p:sp>
+      <p:sp>
+        <p:nvSpPr>
+          <p:cNvPr id="3" name="Заголовок 2"/>
+          <p:cNvSpPr>
+            <a:spLocks noGrp="1"/>
+          </p:cNvSpPr>
+          <p:nvPr>
+            <p:ph type="title"/>
+          </p:nvPr>
+        </p:nvSpPr>
+        <p:spPr/>
+        <p:txBody>
+          <a:bodyPr/>
+          <a:lstStyle/>
           <a:p>
             <a:r>
               <a:rPr lang="ru-RU" dirty="0" smtClean="0"/>
-              <a:t>Проверка выполнения запросов</a:t>
-            </a:r>
-          </a:p>
-          <a:p>
-            <a:r>
-              <a:rPr lang="ru-RU" dirty="0" smtClean="0"/>
-              <a:t>Предоставление метрик производительности, результатов тестов</a:t>
-            </a:r>
-          </a:p>
-        </p:txBody>
-      </p:sp>
-      <p:sp>
-        <p:nvSpPr>
-          <p:cNvPr id="2" name="Заголовок 1"/>
-          <p:cNvSpPr>
-            <a:spLocks noGrp="1"/>
-          </p:cNvSpPr>
-          <p:nvPr>
-            <p:ph type="title"/>
-          </p:nvPr>
-        </p:nvSpPr>
-        <p:spPr/>
-        <p:txBody>
-          <a:bodyPr>
-            <a:noAutofit/>
-          </a:bodyPr>
-          <a:lstStyle/>
-          <a:p>
-            <a:r>
-              <a:rPr lang="ru-RU" sz="2400" dirty="0" smtClean="0"/>
-              <a:t>Особенности инструмента</a:t>
-            </a:r>
-            <a:endParaRPr lang="ru-RU" sz="2400" dirty="0"/>
+              <a:t>Спасибо за внимание</a:t>
+            </a:r>
+            <a:endParaRPr lang="ru-RU" dirty="0"/>
           </a:p>
         </p:txBody>
       </p:sp>
@@ -4785,7 +4794,7 @@
 </file>
 
 <file path=ppt/slides/slide11.xml><?xml version="1.0" encoding="utf-8"?>
-<p:sld xmlns:a="http://schemas.openxmlformats.org/drawingml/2006/main" xmlns:r="http://schemas.openxmlformats.org/officeDocument/2006/relationships" xmlns:p="http://schemas.openxmlformats.org/presentationml/2006/main">
+<p:sld xmlns:a="http://schemas.openxmlformats.org/drawingml/2006/main" xmlns:r="http://schemas.openxmlformats.org/officeDocument/2006/relationships" xmlns:p="http://schemas.openxmlformats.org/presentationml/2006/main" show="0">
   <p:cSld>
     <p:spTree>
       <p:nvGrpSpPr>
@@ -4814,31 +4823,14 @@
         <p:spPr/>
         <p:txBody>
           <a:bodyPr>
-            <a:normAutofit/>
+            <a:normAutofit fontScale="77500" lnSpcReduction="20000"/>
           </a:bodyPr>
           <a:lstStyle/>
           <a:p>
             <a:r>
               <a:rPr lang="ru-RU" dirty="0" smtClean="0"/>
-              <a:t>Генерация данных</a:t>
-            </a:r>
-            <a:r>
-              <a:rPr lang="ru-RU" dirty="0" smtClean="0"/>
-              <a:t>(объемное тестирование)</a:t>
-            </a:r>
-          </a:p>
-          <a:p>
-            <a:r>
-              <a:rPr lang="ru-RU" dirty="0" smtClean="0"/>
-              <a:t>Конфигурационное тестирование</a:t>
-            </a:r>
-          </a:p>
-          <a:p>
-            <a:r>
-              <a:rPr lang="ru-RU" dirty="0" smtClean="0"/>
-              <a:t>Тестирование на отказ и восстановление</a:t>
-            </a:r>
-            <a:endParaRPr lang="ru-RU" dirty="0" smtClean="0"/>
+              <a:t>Инструмент для проведения тестирования производительности, обычно имеющий две основные функции: генерация нагрузки и измерения тестовых операций. Генерация нагрузки может имитировать множественных пользователей или же большие объемы данных. Во время выполнения, с определенных операций снимаются и протоколируются замеры времени отклика. Инструменты тестирования производительности обычно выдают отчеты на основе протокола тестирования и графики нагрузки относительно времени отклика. </a:t>
+            </a:r>
           </a:p>
         </p:txBody>
       </p:sp>
@@ -4861,7 +4853,31 @@
           <a:p>
             <a:r>
               <a:rPr lang="ru-RU" sz="2400" dirty="0" smtClean="0"/>
-              <a:t>Что еще можно делать?</a:t>
+              <a:t>инструмент тестирования производительности (</a:t>
+            </a:r>
+            <a:r>
+              <a:rPr lang="ru-RU" sz="2400" dirty="0" err="1" smtClean="0"/>
+              <a:t>performance</a:t>
+            </a:r>
+            <a:r>
+              <a:rPr lang="ru-RU" sz="2400" dirty="0" smtClean="0"/>
+              <a:t> </a:t>
+            </a:r>
+            <a:r>
+              <a:rPr lang="ru-RU" sz="2400" dirty="0" err="1" smtClean="0"/>
+              <a:t>testing</a:t>
+            </a:r>
+            <a:r>
+              <a:rPr lang="ru-RU" sz="2400" dirty="0" smtClean="0"/>
+              <a:t> </a:t>
+            </a:r>
+            <a:r>
+              <a:rPr lang="ru-RU" sz="2400" dirty="0" err="1" smtClean="0"/>
+              <a:t>tool</a:t>
+            </a:r>
+            <a:r>
+              <a:rPr lang="ru-RU" sz="2400" dirty="0" smtClean="0"/>
+              <a:t>): </a:t>
             </a:r>
             <a:endParaRPr lang="ru-RU" sz="2400" dirty="0"/>
           </a:p>
@@ -4872,6 +4888,7 @@
   <p:clrMapOvr>
     <a:masterClrMapping/>
   </p:clrMapOvr>
+  <p:transition/>
 </p:sld>
 </file>
 
@@ -4905,68 +4922,37 @@
         <p:spPr/>
         <p:txBody>
           <a:bodyPr>
-            <a:normAutofit/>
+            <a:normAutofit fontScale="70000" lnSpcReduction="20000"/>
           </a:bodyPr>
           <a:lstStyle/>
           <a:p>
             <a:r>
               <a:rPr lang="ru-RU" dirty="0" smtClean="0"/>
-              <a:t>Выполнение запроса</a:t>
-            </a:r>
-          </a:p>
-          <a:p>
+              <a:t>Вид тестирования производительности, проводимый с целью оценить поведение компонента или системы под увеличивающейся нагрузкой (число одновременно работающих пользователей и/или число транзакций) для определения максимально допустимого уровня нагрузки для исследуемого компонента или системы. См. также тестирование производительности, стрессовое </a:t>
+            </a:r>
+            <a:r>
+              <a:rPr lang="ru-RU" dirty="0" err="1" smtClean="0"/>
+              <a:t>тестировение</a:t>
+            </a:r>
             <a:r>
               <a:rPr lang="ru-RU" dirty="0" smtClean="0"/>
-              <a:t>Настройка профиля нагрузки</a:t>
-            </a:r>
-          </a:p>
-          <a:p>
-            <a:pPr lvl="1"/>
+              <a:t>. нагрузочный тест (</a:t>
+            </a:r>
+            <a:r>
+              <a:rPr lang="ru-RU" dirty="0" err="1" smtClean="0"/>
+              <a:t>load</a:t>
+            </a:r>
             <a:r>
               <a:rPr lang="ru-RU" dirty="0" smtClean="0"/>
-              <a:t>Количество потоков</a:t>
-            </a:r>
-          </a:p>
-          <a:p>
-            <a:pPr lvl="1"/>
+              <a:t> </a:t>
+            </a:r>
+            <a:r>
+              <a:rPr lang="ru-RU" dirty="0" err="1" smtClean="0"/>
+              <a:t>test</a:t>
+            </a:r>
             <a:r>
               <a:rPr lang="ru-RU" dirty="0" smtClean="0"/>
-              <a:t>Количество повторений</a:t>
-            </a:r>
-          </a:p>
-          <a:p>
-            <a:r>
-              <a:rPr lang="ru-RU" dirty="0" smtClean="0"/>
-              <a:t>Генерация тестовых данных</a:t>
-            </a:r>
-          </a:p>
-          <a:p>
-            <a:pPr lvl="1"/>
-            <a:r>
-              <a:rPr lang="ru-RU" dirty="0" smtClean="0"/>
-              <a:t>Статика</a:t>
-            </a:r>
-          </a:p>
-          <a:p>
-            <a:pPr lvl="1"/>
-            <a:r>
-              <a:rPr lang="ru-RU" dirty="0" smtClean="0"/>
-              <a:t>Генерация кодом</a:t>
-            </a:r>
-          </a:p>
-          <a:p>
-            <a:pPr lvl="1"/>
-            <a:r>
-              <a:rPr lang="ru-RU" dirty="0" smtClean="0"/>
-              <a:t>Из внешнего источника (файл, </a:t>
-            </a:r>
-            <a:r>
-              <a:rPr lang="ru-RU" dirty="0" err="1" smtClean="0"/>
-              <a:t>бд</a:t>
-            </a:r>
-            <a:r>
-              <a:rPr lang="ru-RU" dirty="0" smtClean="0"/>
-              <a:t>,…)</a:t>
+              <a:t>): Тип тестирования производительности, проводимый с целью оценки поведения компонента или системы при возрастающей нагрузке, например количестве параллельных пользователей и/или операций, а также определения какую нагрузку может выдержать компонент или с</a:t>
             </a:r>
           </a:p>
         </p:txBody>
@@ -4990,8 +4976,25 @@
           <a:p>
             <a:r>
               <a:rPr lang="ru-RU" sz="2400" dirty="0" smtClean="0"/>
-              <a:t>Генерация нагрузки</a:t>
-            </a:r>
+              <a:t>Нагрузочное тестирование (</a:t>
+            </a:r>
+            <a:r>
+              <a:rPr lang="ru-RU" sz="2400" dirty="0" err="1" smtClean="0"/>
+              <a:t>load</a:t>
+            </a:r>
+            <a:r>
+              <a:rPr lang="ru-RU" sz="2400" dirty="0" smtClean="0"/>
+              <a:t> </a:t>
+            </a:r>
+            <a:r>
+              <a:rPr lang="ru-RU" sz="2400" dirty="0" err="1" smtClean="0"/>
+              <a:t>testing</a:t>
+            </a:r>
+            <a:r>
+              <a:rPr lang="ru-RU" sz="2400" dirty="0" smtClean="0"/>
+              <a:t>):</a:t>
+            </a:r>
+            <a:endParaRPr lang="ru-RU" sz="2400" dirty="0"/>
           </a:p>
         </p:txBody>
       </p:sp>
@@ -5001,370 +5004,6 @@
     <a:masterClrMapping/>
   </p:clrMapOvr>
   <p:transition/>
-</p:sld>
-</file>
-
-<file path=ppt/slides/slide13.xml><?xml version="1.0" encoding="utf-8"?>
-<p:sld xmlns:a="http://schemas.openxmlformats.org/drawingml/2006/main" xmlns:r="http://schemas.openxmlformats.org/officeDocument/2006/relationships" xmlns:p="http://schemas.openxmlformats.org/presentationml/2006/main" show="0">
-  <p:cSld>
-    <p:spTree>
-      <p:nvGrpSpPr>
-        <p:cNvPr id="1" name=""/>
-        <p:cNvGrpSpPr/>
-        <p:nvPr/>
-      </p:nvGrpSpPr>
-      <p:grpSpPr>
-        <a:xfrm>
-          <a:off x="0" y="0"/>
-          <a:ext cx="0" cy="0"/>
-          <a:chOff x="0" y="0"/>
-          <a:chExt cx="0" cy="0"/>
-        </a:xfrm>
-      </p:grpSpPr>
-      <p:sp>
-        <p:nvSpPr>
-          <p:cNvPr id="3" name="Содержимое 2"/>
-          <p:cNvSpPr>
-            <a:spLocks noGrp="1"/>
-          </p:cNvSpPr>
-          <p:nvPr>
-            <p:ph idx="1"/>
-          </p:nvPr>
-        </p:nvSpPr>
-        <p:spPr/>
-        <p:txBody>
-          <a:bodyPr>
-            <a:normAutofit/>
-          </a:bodyPr>
-          <a:lstStyle/>
-          <a:p>
-            <a:r>
-              <a:rPr lang="ru-RU" dirty="0" smtClean="0"/>
-              <a:t>Проверка кода ответа</a:t>
-            </a:r>
-          </a:p>
-          <a:p>
-            <a:r>
-              <a:rPr lang="ru-RU" dirty="0" smtClean="0"/>
-              <a:t>Проверка размера ответа</a:t>
-            </a:r>
-          </a:p>
-          <a:p>
-            <a:r>
-              <a:rPr lang="ru-RU" dirty="0" smtClean="0"/>
-              <a:t>Проверка </a:t>
-            </a:r>
-            <a:r>
-              <a:rPr lang="ru-RU" smtClean="0"/>
-              <a:t>содержимого ответа</a:t>
-            </a:r>
-            <a:endParaRPr lang="ru-RU" dirty="0" smtClean="0"/>
-          </a:p>
-        </p:txBody>
-      </p:sp>
-      <p:sp>
-        <p:nvSpPr>
-          <p:cNvPr id="2" name="Заголовок 1"/>
-          <p:cNvSpPr>
-            <a:spLocks noGrp="1"/>
-          </p:cNvSpPr>
-          <p:nvPr>
-            <p:ph type="title"/>
-          </p:nvPr>
-        </p:nvSpPr>
-        <p:spPr/>
-        <p:txBody>
-          <a:bodyPr>
-            <a:noAutofit/>
-          </a:bodyPr>
-          <a:lstStyle/>
-          <a:p>
-            <a:r>
-              <a:rPr lang="ru-RU" sz="2400" dirty="0" smtClean="0"/>
-              <a:t>Проверка выполнения запросов</a:t>
-            </a:r>
-          </a:p>
-        </p:txBody>
-      </p:sp>
-    </p:spTree>
-  </p:cSld>
-  <p:clrMapOvr>
-    <a:masterClrMapping/>
-  </p:clrMapOvr>
-  <p:transition/>
-</p:sld>
-</file>
-
-<file path=ppt/slides/slide14.xml><?xml version="1.0" encoding="utf-8"?>
-<p:sld xmlns:a="http://schemas.openxmlformats.org/drawingml/2006/main" xmlns:r="http://schemas.openxmlformats.org/officeDocument/2006/relationships" xmlns:p="http://schemas.openxmlformats.org/presentationml/2006/main" show="0">
-  <p:cSld>
-    <p:spTree>
-      <p:nvGrpSpPr>
-        <p:cNvPr id="1" name=""/>
-        <p:cNvGrpSpPr/>
-        <p:nvPr/>
-      </p:nvGrpSpPr>
-      <p:grpSpPr>
-        <a:xfrm>
-          <a:off x="0" y="0"/>
-          <a:ext cx="0" cy="0"/>
-          <a:chOff x="0" y="0"/>
-          <a:chExt cx="0" cy="0"/>
-        </a:xfrm>
-      </p:grpSpPr>
-      <p:sp>
-        <p:nvSpPr>
-          <p:cNvPr id="3" name="Содержимое 2"/>
-          <p:cNvSpPr>
-            <a:spLocks noGrp="1"/>
-          </p:cNvSpPr>
-          <p:nvPr>
-            <p:ph idx="1"/>
-          </p:nvPr>
-        </p:nvSpPr>
-        <p:spPr/>
-        <p:txBody>
-          <a:bodyPr>
-            <a:normAutofit lnSpcReduction="10000"/>
-          </a:bodyPr>
-          <a:lstStyle/>
-          <a:p>
-            <a:r>
-              <a:rPr lang="ru-RU" dirty="0" smtClean="0"/>
-              <a:t>Получение статуса ответа, замер времени выполнения</a:t>
-            </a:r>
-          </a:p>
-          <a:p>
-            <a:r>
-              <a:rPr lang="ru-RU" dirty="0" smtClean="0"/>
-              <a:t>Вывод итогового и промежуточного протоколов прогона в </a:t>
-            </a:r>
-          </a:p>
-          <a:p>
-            <a:pPr lvl="1"/>
-            <a:r>
-              <a:rPr lang="ru-RU" dirty="0" smtClean="0"/>
-              <a:t>Консоль</a:t>
-            </a:r>
-          </a:p>
-          <a:p>
-            <a:pPr lvl="1"/>
-            <a:r>
-              <a:rPr lang="ru-RU" dirty="0" smtClean="0"/>
-              <a:t>Файл</a:t>
-            </a:r>
-          </a:p>
-          <a:p>
-            <a:pPr lvl="1"/>
-            <a:r>
-              <a:rPr lang="ru-RU" dirty="0" smtClean="0"/>
-              <a:t>Отчет</a:t>
-            </a:r>
-          </a:p>
-          <a:p>
-            <a:r>
-              <a:rPr lang="ru-RU" dirty="0" smtClean="0"/>
-              <a:t>Отправка метрик во внешнюю систему</a:t>
-            </a:r>
-          </a:p>
-        </p:txBody>
-      </p:sp>
-      <p:sp>
-        <p:nvSpPr>
-          <p:cNvPr id="2" name="Заголовок 1"/>
-          <p:cNvSpPr>
-            <a:spLocks noGrp="1"/>
-          </p:cNvSpPr>
-          <p:nvPr>
-            <p:ph type="title"/>
-          </p:nvPr>
-        </p:nvSpPr>
-        <p:spPr/>
-        <p:txBody>
-          <a:bodyPr>
-            <a:noAutofit/>
-          </a:bodyPr>
-          <a:lstStyle/>
-          <a:p>
-            <a:r>
-              <a:rPr lang="ru-RU" sz="2400" dirty="0" smtClean="0"/>
-              <a:t>Предоставление метрик производительности, результатов тестов</a:t>
-            </a:r>
-          </a:p>
-        </p:txBody>
-      </p:sp>
-    </p:spTree>
-  </p:cSld>
-  <p:clrMapOvr>
-    <a:masterClrMapping/>
-  </p:clrMapOvr>
-  <p:transition/>
-</p:sld>
-</file>
-
-<file path=ppt/slides/slide15.xml><?xml version="1.0" encoding="utf-8"?>
-<p:sld xmlns:a="http://schemas.openxmlformats.org/drawingml/2006/main" xmlns:r="http://schemas.openxmlformats.org/officeDocument/2006/relationships" xmlns:p="http://schemas.openxmlformats.org/presentationml/2006/main">
-  <p:cSld>
-    <p:spTree>
-      <p:nvGrpSpPr>
-        <p:cNvPr id="1" name=""/>
-        <p:cNvGrpSpPr/>
-        <p:nvPr/>
-      </p:nvGrpSpPr>
-      <p:grpSpPr>
-        <a:xfrm>
-          <a:off x="0" y="0"/>
-          <a:ext cx="0" cy="0"/>
-          <a:chOff x="0" y="0"/>
-          <a:chExt cx="0" cy="0"/>
-        </a:xfrm>
-      </p:grpSpPr>
-      <p:sp>
-        <p:nvSpPr>
-          <p:cNvPr id="5" name="Содержимое 4"/>
-          <p:cNvSpPr>
-            <a:spLocks noGrp="1"/>
-          </p:cNvSpPr>
-          <p:nvPr>
-            <p:ph idx="1"/>
-          </p:nvPr>
-        </p:nvSpPr>
-        <p:spPr/>
-        <p:txBody>
-          <a:bodyPr/>
-          <a:lstStyle/>
-          <a:p>
-            <a:endParaRPr lang="ru-RU" dirty="0"/>
-          </a:p>
-        </p:txBody>
-      </p:sp>
-      <p:sp>
-        <p:nvSpPr>
-          <p:cNvPr id="3" name="Заголовок 2"/>
-          <p:cNvSpPr>
-            <a:spLocks noGrp="1"/>
-          </p:cNvSpPr>
-          <p:nvPr>
-            <p:ph type="title"/>
-          </p:nvPr>
-        </p:nvSpPr>
-        <p:spPr/>
-        <p:txBody>
-          <a:bodyPr/>
-          <a:lstStyle/>
-          <a:p>
-            <a:r>
-              <a:rPr lang="ru-RU" dirty="0" smtClean="0"/>
-              <a:t>Обсуждение, вопросы</a:t>
-            </a:r>
-            <a:endParaRPr lang="ru-RU" dirty="0"/>
-          </a:p>
-        </p:txBody>
-      </p:sp>
-    </p:spTree>
-  </p:cSld>
-  <p:clrMapOvr>
-    <a:masterClrMapping/>
-  </p:clrMapOvr>
-</p:sld>
-</file>
-
-<file path=ppt/slides/slide16.xml><?xml version="1.0" encoding="utf-8"?>
-<p:sld xmlns:a="http://schemas.openxmlformats.org/drawingml/2006/main" xmlns:r="http://schemas.openxmlformats.org/officeDocument/2006/relationships" xmlns:p="http://schemas.openxmlformats.org/presentationml/2006/main">
-  <p:cSld>
-    <p:spTree>
-      <p:nvGrpSpPr>
-        <p:cNvPr id="1" name=""/>
-        <p:cNvGrpSpPr/>
-        <p:nvPr/>
-      </p:nvGrpSpPr>
-      <p:grpSpPr>
-        <a:xfrm>
-          <a:off x="0" y="0"/>
-          <a:ext cx="0" cy="0"/>
-          <a:chOff x="0" y="0"/>
-          <a:chExt cx="0" cy="0"/>
-        </a:xfrm>
-      </p:grpSpPr>
-      <p:sp>
-        <p:nvSpPr>
-          <p:cNvPr id="5" name="Содержимое 4"/>
-          <p:cNvSpPr>
-            <a:spLocks noGrp="1"/>
-          </p:cNvSpPr>
-          <p:nvPr>
-            <p:ph idx="1"/>
-          </p:nvPr>
-        </p:nvSpPr>
-        <p:spPr/>
-        <p:txBody>
-          <a:bodyPr/>
-          <a:lstStyle/>
-          <a:p>
-            <a:r>
-              <a:rPr lang="ru-RU" dirty="0" err="1" smtClean="0"/>
-              <a:t>Махетов</a:t>
-            </a:r>
-            <a:r>
-              <a:rPr lang="ru-RU" dirty="0" smtClean="0"/>
-              <a:t> Сергей</a:t>
-            </a:r>
-            <a:endParaRPr lang="en-US" dirty="0" smtClean="0"/>
-          </a:p>
-          <a:p>
-            <a:r>
-              <a:rPr lang="en-US" dirty="0" smtClean="0"/>
-              <a:t>E-mail: Profitfx@mail.ru</a:t>
-            </a:r>
-          </a:p>
-          <a:p>
-            <a:r>
-              <a:rPr lang="en-US" dirty="0" smtClean="0"/>
-              <a:t>Telegram: @</a:t>
-            </a:r>
-            <a:r>
-              <a:rPr lang="en-US" dirty="0" err="1" smtClean="0"/>
-              <a:t>Mahetovs</a:t>
-            </a:r>
-            <a:endParaRPr lang="ru-RU" dirty="0" smtClean="0"/>
-          </a:p>
-          <a:p>
-            <a:r>
-              <a:rPr lang="en-US" dirty="0" smtClean="0"/>
-              <a:t>https://tech.kontur.ru/</a:t>
-            </a:r>
-            <a:endParaRPr lang="ru-RU" dirty="0" smtClean="0"/>
-          </a:p>
-        </p:txBody>
-      </p:sp>
-      <p:sp>
-        <p:nvSpPr>
-          <p:cNvPr id="3" name="Заголовок 2"/>
-          <p:cNvSpPr>
-            <a:spLocks noGrp="1"/>
-          </p:cNvSpPr>
-          <p:nvPr>
-            <p:ph type="title"/>
-          </p:nvPr>
-        </p:nvSpPr>
-        <p:spPr/>
-        <p:txBody>
-          <a:bodyPr/>
-          <a:lstStyle/>
-          <a:p>
-            <a:r>
-              <a:rPr lang="ru-RU" dirty="0" smtClean="0"/>
-              <a:t>Спасибо за внимание</a:t>
-            </a:r>
-            <a:endParaRPr lang="ru-RU" dirty="0"/>
-          </a:p>
-        </p:txBody>
-      </p:sp>
-    </p:spTree>
-  </p:cSld>
-  <p:clrMapOvr>
-    <a:masterClrMapping/>
-  </p:clrMapOvr>
 </p:sld>
 </file>
 
@@ -5553,70 +5192,61 @@
         <p:spPr/>
         <p:txBody>
           <a:bodyPr>
-            <a:normAutofit fontScale="77500" lnSpcReduction="20000"/>
+            <a:normAutofit/>
           </a:bodyPr>
           <a:lstStyle/>
           <a:p>
             <a:r>
               <a:rPr lang="ru-RU" dirty="0" smtClean="0"/>
-              <a:t>Цель тестирования</a:t>
+              <a:t>Введение, базовые понятия</a:t>
             </a:r>
           </a:p>
           <a:p>
             <a:r>
               <a:rPr lang="ru-RU" dirty="0" smtClean="0"/>
-              <a:t>Объект тестирования</a:t>
+              <a:t>Простые запросы в командной строке</a:t>
             </a:r>
           </a:p>
           <a:p>
             <a:r>
               <a:rPr lang="ru-RU" dirty="0" smtClean="0"/>
-              <a:t>Тестовый сценарий</a:t>
-            </a:r>
+              <a:t>Тесты в </a:t>
+            </a:r>
+            <a:r>
+              <a:rPr lang="en-US" dirty="0" err="1" smtClean="0"/>
+              <a:t>Jmeter</a:t>
+            </a:r>
+            <a:endParaRPr lang="en-US" dirty="0" smtClean="0"/>
           </a:p>
           <a:p>
             <a:r>
               <a:rPr lang="ru-RU" dirty="0" smtClean="0"/>
-              <a:t>Порядок генерации нагрузки(профиль, тестовые данные)</a:t>
-            </a:r>
-          </a:p>
-          <a:p>
+              <a:t>Тест </a:t>
+            </a:r>
             <a:r>
               <a:rPr lang="ru-RU" dirty="0" smtClean="0"/>
-              <a:t>Подготовка тестового стенда</a:t>
-            </a:r>
-          </a:p>
-          <a:p>
-            <a:r>
-              <a:rPr lang="ru-RU" dirty="0" smtClean="0">
-                <a:solidFill>
-                  <a:srgbClr val="00B0F0"/>
-                </a:solidFill>
-              </a:rPr>
-              <a:t>Инструмент тестирования и реализация тестов</a:t>
-            </a:r>
-          </a:p>
-          <a:p>
-            <a:r>
-              <a:rPr lang="ru-RU" dirty="0" smtClean="0">
-                <a:solidFill>
-                  <a:srgbClr val="00B0F0"/>
-                </a:solidFill>
-              </a:rPr>
-              <a:t>Сбор показателей(метрик) и предоставление отчетов</a:t>
-            </a:r>
+              <a:t>в </a:t>
+            </a:r>
+            <a:r>
+              <a:rPr lang="en-US" dirty="0" smtClean="0"/>
+              <a:t>Gatling</a:t>
+            </a:r>
+            <a:endParaRPr lang="ru-RU" dirty="0" smtClean="0"/>
           </a:p>
           <a:p>
             <a:r>
               <a:rPr lang="ru-RU" dirty="0" smtClean="0"/>
-              <a:t>Порядок интерпретаций метрик и отчетов</a:t>
-            </a:r>
-          </a:p>
-          <a:p>
-            <a:r>
-              <a:rPr lang="ru-RU" dirty="0" smtClean="0"/>
-              <a:t>Условия успешного завершения</a:t>
-            </a:r>
+              <a:t>Тест в </a:t>
+            </a:r>
+            <a:r>
+              <a:rPr lang="en-US" dirty="0" err="1" smtClean="0"/>
+              <a:t>Yandex</a:t>
+            </a:r>
+            <a:r>
+              <a:rPr lang="en-US" dirty="0" smtClean="0"/>
+              <a:t>-tank</a:t>
+            </a:r>
+            <a:endParaRPr lang="ru-RU" dirty="0" smtClean="0"/>
           </a:p>
         </p:txBody>
       </p:sp>
@@ -5639,11 +5269,7 @@
           <a:p>
             <a:r>
               <a:rPr lang="ru-RU" sz="2400" dirty="0" smtClean="0"/>
-              <a:t>План </a:t>
-            </a:r>
-            <a:r>
-              <a:rPr lang="ru-RU" sz="2400" dirty="0" smtClean="0"/>
-              <a:t>тестирования производительности</a:t>
+              <a:t>Краткий план МК</a:t>
             </a:r>
             <a:endParaRPr lang="ru-RU" sz="2400" dirty="0"/>
           </a:p>
@@ -5687,62 +5313,70 @@
         <p:spPr/>
         <p:txBody>
           <a:bodyPr>
-            <a:normAutofit/>
+            <a:normAutofit fontScale="77500" lnSpcReduction="20000"/>
           </a:bodyPr>
           <a:lstStyle/>
           <a:p>
             <a:r>
               <a:rPr lang="ru-RU" dirty="0" smtClean="0"/>
-              <a:t>Введение, базовые </a:t>
-            </a:r>
+              <a:t>Цель тестирования</a:t>
+            </a:r>
+          </a:p>
+          <a:p>
             <a:r>
               <a:rPr lang="ru-RU" dirty="0" smtClean="0"/>
-              <a:t>понятия</a:t>
+              <a:t>Объект тестирования</a:t>
             </a:r>
           </a:p>
           <a:p>
             <a:r>
               <a:rPr lang="ru-RU" dirty="0" smtClean="0"/>
-              <a:t>Простые запросы в командной строке</a:t>
-            </a:r>
-            <a:endParaRPr lang="ru-RU" dirty="0" smtClean="0"/>
+              <a:t>Тестовый сценарий</a:t>
+            </a:r>
           </a:p>
           <a:p>
             <a:r>
               <a:rPr lang="ru-RU" dirty="0" smtClean="0"/>
-              <a:t>Тесты в </a:t>
-            </a:r>
-            <a:r>
-              <a:rPr lang="en-US" dirty="0" err="1" smtClean="0"/>
-              <a:t>Jmeter</a:t>
-            </a:r>
-            <a:endParaRPr lang="en-US" dirty="0" smtClean="0"/>
+              <a:t>Порядок генерации нагрузки(профиль, тестовые данные)</a:t>
+            </a:r>
           </a:p>
           <a:p>
             <a:r>
               <a:rPr lang="ru-RU" dirty="0" smtClean="0"/>
-              <a:t>Тест в </a:t>
-            </a:r>
-            <a:r>
-              <a:rPr lang="en-US" dirty="0" smtClean="0"/>
-              <a:t>Gatling</a:t>
-            </a:r>
-            <a:endParaRPr lang="ru-RU" dirty="0" smtClean="0"/>
+              <a:t>Подготовка тестового стенда</a:t>
+            </a:r>
+          </a:p>
+          <a:p>
+            <a:r>
+              <a:rPr lang="ru-RU" dirty="0" smtClean="0">
+                <a:solidFill>
+                  <a:srgbClr val="00B0F0"/>
+                </a:solidFill>
+              </a:rPr>
+              <a:t>Инструмент тестирования и реализация тестов</a:t>
+            </a:r>
+          </a:p>
+          <a:p>
+            <a:r>
+              <a:rPr lang="ru-RU" dirty="0" smtClean="0">
+                <a:solidFill>
+                  <a:srgbClr val="00B0F0"/>
+                </a:solidFill>
+              </a:rPr>
+              <a:t>Сбор показателей(метрик) и предоставление отчетов</a:t>
+            </a:r>
           </a:p>
           <a:p>
             <a:r>
               <a:rPr lang="ru-RU" dirty="0" smtClean="0"/>
-              <a:t>Тест в </a:t>
-            </a:r>
-            <a:r>
-              <a:rPr lang="en-US" dirty="0" err="1" smtClean="0"/>
-              <a:t>Yandex</a:t>
-            </a:r>
-            <a:r>
-              <a:rPr lang="en-US" dirty="0" smtClean="0"/>
-              <a:t>-tank</a:t>
-            </a:r>
-            <a:endParaRPr lang="ru-RU" dirty="0" smtClean="0"/>
+              <a:t>Порядок интерпретаций метрик и отчетов</a:t>
+            </a:r>
+          </a:p>
+          <a:p>
+            <a:r>
+              <a:rPr lang="ru-RU" dirty="0" smtClean="0"/>
+              <a:t>Условия успешного завершения</a:t>
+            </a:r>
           </a:p>
         </p:txBody>
       </p:sp>
@@ -5765,7 +5399,7 @@
           <a:p>
             <a:r>
               <a:rPr lang="ru-RU" sz="2400" dirty="0" smtClean="0"/>
-              <a:t>Краткий план МК</a:t>
+              <a:t>План тестирования производительности</a:t>
             </a:r>
             <a:endParaRPr lang="ru-RU" sz="2400" dirty="0"/>
           </a:p>
@@ -5815,13 +5449,8 @@
           <a:p>
             <a:r>
               <a:rPr lang="ru-RU" dirty="0" smtClean="0"/>
-              <a:t>Степень, с которой система или компонент выполняет заложенные в нее функции в установленных рамках на время обработки и пропускную способность</a:t>
-            </a:r>
-            <a:r>
-              <a:rPr lang="ru-RU" dirty="0" smtClean="0"/>
-              <a:t>.</a:t>
-            </a:r>
-            <a:endParaRPr lang="ru-RU" dirty="0" smtClean="0"/>
+              <a:t>Процесс тестирования с целью определить производительность программного продукта.</a:t>
+            </a:r>
           </a:p>
         </p:txBody>
       </p:sp>
@@ -5844,15 +5473,7 @@
           <a:p>
             <a:r>
               <a:rPr lang="ru-RU" sz="2400" dirty="0" smtClean="0"/>
-              <a:t>П</a:t>
-            </a:r>
-            <a:r>
-              <a:rPr lang="ru-RU" sz="2400" dirty="0" smtClean="0"/>
-              <a:t>роизводительность </a:t>
-            </a:r>
-            <a:r>
-              <a:rPr lang="ru-RU" sz="2400" dirty="0" smtClean="0"/>
-              <a:t>(</a:t>
+              <a:t>Тестирование производительности (</a:t>
             </a:r>
             <a:r>
               <a:rPr lang="ru-RU" sz="2400" dirty="0" err="1" smtClean="0"/>
@@ -5860,7 +5481,15 @@
             </a:r>
             <a:r>
               <a:rPr lang="ru-RU" sz="2400" dirty="0" smtClean="0"/>
-              <a:t>):</a:t>
+              <a:t> </a:t>
+            </a:r>
+            <a:r>
+              <a:rPr lang="ru-RU" sz="2400" dirty="0" err="1" smtClean="0"/>
+              <a:t>testing</a:t>
+            </a:r>
+            <a:r>
+              <a:rPr lang="ru-RU" sz="2400" dirty="0" smtClean="0"/>
+              <a:t>)</a:t>
             </a:r>
             <a:endParaRPr lang="ru-RU" sz="2400" dirty="0"/>
           </a:p>
@@ -5893,314 +5522,6 @@
       </p:grpSpPr>
       <p:sp>
         <p:nvSpPr>
-          <p:cNvPr id="3" name="Содержимое 2"/>
-          <p:cNvSpPr>
-            <a:spLocks noGrp="1"/>
-          </p:cNvSpPr>
-          <p:nvPr>
-            <p:ph idx="1"/>
-          </p:nvPr>
-        </p:nvSpPr>
-        <p:spPr/>
-        <p:txBody>
-          <a:bodyPr>
-            <a:normAutofit/>
-          </a:bodyPr>
-          <a:lstStyle/>
-          <a:p>
-            <a:r>
-              <a:rPr lang="ru-RU" dirty="0" smtClean="0"/>
-              <a:t>Процесс тестирования с целью определить производительность программного продукта.</a:t>
-            </a:r>
-          </a:p>
-        </p:txBody>
-      </p:sp>
-      <p:sp>
-        <p:nvSpPr>
-          <p:cNvPr id="2" name="Заголовок 1"/>
-          <p:cNvSpPr>
-            <a:spLocks noGrp="1"/>
-          </p:cNvSpPr>
-          <p:nvPr>
-            <p:ph type="title"/>
-          </p:nvPr>
-        </p:nvSpPr>
-        <p:spPr/>
-        <p:txBody>
-          <a:bodyPr>
-            <a:noAutofit/>
-          </a:bodyPr>
-          <a:lstStyle/>
-          <a:p>
-            <a:r>
-              <a:rPr lang="ru-RU" sz="2400" dirty="0" smtClean="0"/>
-              <a:t>Тестирование </a:t>
-            </a:r>
-            <a:r>
-              <a:rPr lang="ru-RU" sz="2400" dirty="0" smtClean="0"/>
-              <a:t>производительности (</a:t>
-            </a:r>
-            <a:r>
-              <a:rPr lang="ru-RU" sz="2400" dirty="0" err="1" smtClean="0"/>
-              <a:t>performance</a:t>
-            </a:r>
-            <a:r>
-              <a:rPr lang="ru-RU" sz="2400" dirty="0" smtClean="0"/>
-              <a:t> </a:t>
-            </a:r>
-            <a:r>
-              <a:rPr lang="ru-RU" sz="2400" dirty="0" err="1" smtClean="0"/>
-              <a:t>testing</a:t>
-            </a:r>
-            <a:r>
-              <a:rPr lang="ru-RU" sz="2400" dirty="0" smtClean="0"/>
-              <a:t>)</a:t>
-            </a:r>
-            <a:endParaRPr lang="ru-RU" sz="2400" dirty="0"/>
-          </a:p>
-        </p:txBody>
-      </p:sp>
-    </p:spTree>
-  </p:cSld>
-  <p:clrMapOvr>
-    <a:masterClrMapping/>
-  </p:clrMapOvr>
-</p:sld>
-</file>
-
-<file path=ppt/slides/slide7.xml><?xml version="1.0" encoding="utf-8"?>
-<p:sld xmlns:a="http://schemas.openxmlformats.org/drawingml/2006/main" xmlns:r="http://schemas.openxmlformats.org/officeDocument/2006/relationships" xmlns:p="http://schemas.openxmlformats.org/presentationml/2006/main" show="0">
-  <p:cSld>
-    <p:spTree>
-      <p:nvGrpSpPr>
-        <p:cNvPr id="1" name=""/>
-        <p:cNvGrpSpPr/>
-        <p:nvPr/>
-      </p:nvGrpSpPr>
-      <p:grpSpPr>
-        <a:xfrm>
-          <a:off x="0" y="0"/>
-          <a:ext cx="0" cy="0"/>
-          <a:chOff x="0" y="0"/>
-          <a:chExt cx="0" cy="0"/>
-        </a:xfrm>
-      </p:grpSpPr>
-      <p:sp>
-        <p:nvSpPr>
-          <p:cNvPr id="3" name="Содержимое 2"/>
-          <p:cNvSpPr>
-            <a:spLocks noGrp="1"/>
-          </p:cNvSpPr>
-          <p:nvPr>
-            <p:ph idx="1"/>
-          </p:nvPr>
-        </p:nvSpPr>
-        <p:spPr/>
-        <p:txBody>
-          <a:bodyPr>
-            <a:normAutofit fontScale="77500" lnSpcReduction="20000"/>
-          </a:bodyPr>
-          <a:lstStyle/>
-          <a:p>
-            <a:r>
-              <a:rPr lang="ru-RU" dirty="0" smtClean="0"/>
-              <a:t>Инструмент для проведения тестирования производительности, обычно имеющий две основные функции: генерация нагрузки и измерения тестовых операций. Генерация нагрузки может имитировать множественных пользователей или же большие объемы данных. Во время выполнения, с определенных операций снимаются и протоколируются замеры времени отклика. Инструменты тестирования производительности обычно выдают отчеты на основе протокола тестирования и графики нагрузки относительно времени отклика. </a:t>
-            </a:r>
-          </a:p>
-        </p:txBody>
-      </p:sp>
-      <p:sp>
-        <p:nvSpPr>
-          <p:cNvPr id="2" name="Заголовок 1"/>
-          <p:cNvSpPr>
-            <a:spLocks noGrp="1"/>
-          </p:cNvSpPr>
-          <p:nvPr>
-            <p:ph type="title"/>
-          </p:nvPr>
-        </p:nvSpPr>
-        <p:spPr/>
-        <p:txBody>
-          <a:bodyPr>
-            <a:noAutofit/>
-          </a:bodyPr>
-          <a:lstStyle/>
-          <a:p>
-            <a:r>
-              <a:rPr lang="ru-RU" sz="2400" dirty="0" smtClean="0"/>
-              <a:t>инструмент тестирования производительности (</a:t>
-            </a:r>
-            <a:r>
-              <a:rPr lang="ru-RU" sz="2400" dirty="0" err="1" smtClean="0"/>
-              <a:t>performance</a:t>
-            </a:r>
-            <a:r>
-              <a:rPr lang="ru-RU" sz="2400" dirty="0" smtClean="0"/>
-              <a:t> </a:t>
-            </a:r>
-            <a:r>
-              <a:rPr lang="ru-RU" sz="2400" dirty="0" err="1" smtClean="0"/>
-              <a:t>testing</a:t>
-            </a:r>
-            <a:r>
-              <a:rPr lang="ru-RU" sz="2400" dirty="0" smtClean="0"/>
-              <a:t> </a:t>
-            </a:r>
-            <a:r>
-              <a:rPr lang="ru-RU" sz="2400" dirty="0" err="1" smtClean="0"/>
-              <a:t>tool</a:t>
-            </a:r>
-            <a:r>
-              <a:rPr lang="ru-RU" sz="2400" dirty="0" smtClean="0"/>
-              <a:t>): </a:t>
-            </a:r>
-            <a:endParaRPr lang="ru-RU" sz="2400" dirty="0"/>
-          </a:p>
-        </p:txBody>
-      </p:sp>
-    </p:spTree>
-  </p:cSld>
-  <p:clrMapOvr>
-    <a:masterClrMapping/>
-  </p:clrMapOvr>
-  <p:transition/>
-</p:sld>
-</file>
-
-<file path=ppt/slides/slide8.xml><?xml version="1.0" encoding="utf-8"?>
-<p:sld xmlns:a="http://schemas.openxmlformats.org/drawingml/2006/main" xmlns:r="http://schemas.openxmlformats.org/officeDocument/2006/relationships" xmlns:p="http://schemas.openxmlformats.org/presentationml/2006/main" show="0">
-  <p:cSld>
-    <p:spTree>
-      <p:nvGrpSpPr>
-        <p:cNvPr id="1" name=""/>
-        <p:cNvGrpSpPr/>
-        <p:nvPr/>
-      </p:nvGrpSpPr>
-      <p:grpSpPr>
-        <a:xfrm>
-          <a:off x="0" y="0"/>
-          <a:ext cx="0" cy="0"/>
-          <a:chOff x="0" y="0"/>
-          <a:chExt cx="0" cy="0"/>
-        </a:xfrm>
-      </p:grpSpPr>
-      <p:sp>
-        <p:nvSpPr>
-          <p:cNvPr id="3" name="Содержимое 2"/>
-          <p:cNvSpPr>
-            <a:spLocks noGrp="1"/>
-          </p:cNvSpPr>
-          <p:nvPr>
-            <p:ph idx="1"/>
-          </p:nvPr>
-        </p:nvSpPr>
-        <p:spPr/>
-        <p:txBody>
-          <a:bodyPr>
-            <a:normAutofit fontScale="70000" lnSpcReduction="20000"/>
-          </a:bodyPr>
-          <a:lstStyle/>
-          <a:p>
-            <a:r>
-              <a:rPr lang="ru-RU" dirty="0" smtClean="0"/>
-              <a:t>Вид тестирования производительности, проводимый с целью оценить поведение компонента или системы под увеличивающейся нагрузкой (число одновременно работающих пользователей и/или число транзакций) для определения максимально допустимого уровня нагрузки для исследуемого компонента или системы. См. также тестирование производительности, стрессовое </a:t>
-            </a:r>
-            <a:r>
-              <a:rPr lang="ru-RU" dirty="0" err="1" smtClean="0"/>
-              <a:t>тестировение</a:t>
-            </a:r>
-            <a:r>
-              <a:rPr lang="ru-RU" dirty="0" smtClean="0"/>
-              <a:t>. нагрузочный тест (</a:t>
-            </a:r>
-            <a:r>
-              <a:rPr lang="ru-RU" dirty="0" err="1" smtClean="0"/>
-              <a:t>load</a:t>
-            </a:r>
-            <a:r>
-              <a:rPr lang="ru-RU" dirty="0" smtClean="0"/>
-              <a:t> </a:t>
-            </a:r>
-            <a:r>
-              <a:rPr lang="ru-RU" dirty="0" err="1" smtClean="0"/>
-              <a:t>test</a:t>
-            </a:r>
-            <a:r>
-              <a:rPr lang="ru-RU" dirty="0" smtClean="0"/>
-              <a:t>): Тип тестирования производительности, проводимый с целью оценки поведения компонента или системы при возрастающей нагрузке, например количестве параллельных пользователей и/или операций, а также определения какую нагрузку может выдержать компонент или с</a:t>
-            </a:r>
-          </a:p>
-        </p:txBody>
-      </p:sp>
-      <p:sp>
-        <p:nvSpPr>
-          <p:cNvPr id="2" name="Заголовок 1"/>
-          <p:cNvSpPr>
-            <a:spLocks noGrp="1"/>
-          </p:cNvSpPr>
-          <p:nvPr>
-            <p:ph type="title"/>
-          </p:nvPr>
-        </p:nvSpPr>
-        <p:spPr/>
-        <p:txBody>
-          <a:bodyPr>
-            <a:noAutofit/>
-          </a:bodyPr>
-          <a:lstStyle/>
-          <a:p>
-            <a:r>
-              <a:rPr lang="ru-RU" sz="2400" dirty="0" smtClean="0"/>
-              <a:t>Нагрузочное тестирование (</a:t>
-            </a:r>
-            <a:r>
-              <a:rPr lang="ru-RU" sz="2400" dirty="0" err="1" smtClean="0"/>
-              <a:t>load</a:t>
-            </a:r>
-            <a:r>
-              <a:rPr lang="ru-RU" sz="2400" dirty="0" smtClean="0"/>
-              <a:t> </a:t>
-            </a:r>
-            <a:r>
-              <a:rPr lang="ru-RU" sz="2400" dirty="0" err="1" smtClean="0"/>
-              <a:t>testing</a:t>
-            </a:r>
-            <a:r>
-              <a:rPr lang="ru-RU" sz="2400" dirty="0" smtClean="0"/>
-              <a:t>):</a:t>
-            </a:r>
-            <a:endParaRPr lang="ru-RU" sz="2400" dirty="0"/>
-          </a:p>
-        </p:txBody>
-      </p:sp>
-    </p:spTree>
-  </p:cSld>
-  <p:clrMapOvr>
-    <a:masterClrMapping/>
-  </p:clrMapOvr>
-  <p:transition/>
-</p:sld>
-</file>
-
-<file path=ppt/slides/slide9.xml><?xml version="1.0" encoding="utf-8"?>
-<p:sld xmlns:a="http://schemas.openxmlformats.org/drawingml/2006/main" xmlns:r="http://schemas.openxmlformats.org/officeDocument/2006/relationships" xmlns:p="http://schemas.openxmlformats.org/presentationml/2006/main">
-  <p:cSld>
-    <p:spTree>
-      <p:nvGrpSpPr>
-        <p:cNvPr id="1" name=""/>
-        <p:cNvGrpSpPr/>
-        <p:nvPr/>
-      </p:nvGrpSpPr>
-      <p:grpSpPr>
-        <a:xfrm>
-          <a:off x="0" y="0"/>
-          <a:ext cx="0" cy="0"/>
-          <a:chOff x="0" y="0"/>
-          <a:chExt cx="0" cy="0"/>
-        </a:xfrm>
-      </p:grpSpPr>
-      <p:sp>
-        <p:nvSpPr>
           <p:cNvPr id="2" name="Заголовок 1"/>
           <p:cNvSpPr>
             <a:spLocks noGrp="1"/>
@@ -6730,6 +6051,245 @@
             <a:r>
               <a:rPr lang="en-US" dirty="0" smtClean="0"/>
               <a:t>Network</a:t>
+            </a:r>
+            <a:endParaRPr lang="ru-RU" dirty="0"/>
+          </a:p>
+        </p:txBody>
+      </p:sp>
+    </p:spTree>
+  </p:cSld>
+  <p:clrMapOvr>
+    <a:masterClrMapping/>
+  </p:clrMapOvr>
+</p:sld>
+</file>
+
+<file path=ppt/slides/slide7.xml><?xml version="1.0" encoding="utf-8"?>
+<p:sld xmlns:a="http://schemas.openxmlformats.org/drawingml/2006/main" xmlns:r="http://schemas.openxmlformats.org/officeDocument/2006/relationships" xmlns:p="http://schemas.openxmlformats.org/presentationml/2006/main">
+  <p:cSld>
+    <p:spTree>
+      <p:nvGrpSpPr>
+        <p:cNvPr id="1" name=""/>
+        <p:cNvGrpSpPr/>
+        <p:nvPr/>
+      </p:nvGrpSpPr>
+      <p:grpSpPr>
+        <a:xfrm>
+          <a:off x="0" y="0"/>
+          <a:ext cx="0" cy="0"/>
+          <a:chOff x="0" y="0"/>
+          <a:chExt cx="0" cy="0"/>
+        </a:xfrm>
+      </p:grpSpPr>
+      <p:sp>
+        <p:nvSpPr>
+          <p:cNvPr id="3" name="Содержимое 2"/>
+          <p:cNvSpPr>
+            <a:spLocks noGrp="1"/>
+          </p:cNvSpPr>
+          <p:nvPr>
+            <p:ph idx="1"/>
+          </p:nvPr>
+        </p:nvSpPr>
+        <p:spPr/>
+        <p:txBody>
+          <a:bodyPr>
+            <a:normAutofit/>
+          </a:bodyPr>
+          <a:lstStyle/>
+          <a:p>
+            <a:r>
+              <a:rPr lang="ru-RU" dirty="0" smtClean="0"/>
+              <a:t>Генерация нагрузки</a:t>
+            </a:r>
+          </a:p>
+          <a:p>
+            <a:r>
+              <a:rPr lang="ru-RU" dirty="0" smtClean="0"/>
+              <a:t>Проверка выполнения запросов</a:t>
+            </a:r>
+          </a:p>
+          <a:p>
+            <a:r>
+              <a:rPr lang="ru-RU" dirty="0" smtClean="0"/>
+              <a:t>Предоставление метрик производительности, результатов тестов</a:t>
+            </a:r>
+          </a:p>
+        </p:txBody>
+      </p:sp>
+      <p:sp>
+        <p:nvSpPr>
+          <p:cNvPr id="2" name="Заголовок 1"/>
+          <p:cNvSpPr>
+            <a:spLocks noGrp="1"/>
+          </p:cNvSpPr>
+          <p:nvPr>
+            <p:ph type="title"/>
+          </p:nvPr>
+        </p:nvSpPr>
+        <p:spPr/>
+        <p:txBody>
+          <a:bodyPr>
+            <a:noAutofit/>
+          </a:bodyPr>
+          <a:lstStyle/>
+          <a:p>
+            <a:r>
+              <a:rPr lang="ru-RU" sz="2400" dirty="0" smtClean="0"/>
+              <a:t>Особенности инструмента</a:t>
+            </a:r>
+            <a:endParaRPr lang="ru-RU" sz="2400" dirty="0"/>
+          </a:p>
+        </p:txBody>
+      </p:sp>
+    </p:spTree>
+  </p:cSld>
+  <p:clrMapOvr>
+    <a:masterClrMapping/>
+  </p:clrMapOvr>
+</p:sld>
+</file>
+
+<file path=ppt/slides/slide8.xml><?xml version="1.0" encoding="utf-8"?>
+<p:sld xmlns:a="http://schemas.openxmlformats.org/drawingml/2006/main" xmlns:r="http://schemas.openxmlformats.org/officeDocument/2006/relationships" xmlns:p="http://schemas.openxmlformats.org/presentationml/2006/main">
+  <p:cSld>
+    <p:spTree>
+      <p:nvGrpSpPr>
+        <p:cNvPr id="1" name=""/>
+        <p:cNvGrpSpPr/>
+        <p:nvPr/>
+      </p:nvGrpSpPr>
+      <p:grpSpPr>
+        <a:xfrm>
+          <a:off x="0" y="0"/>
+          <a:ext cx="0" cy="0"/>
+          <a:chOff x="0" y="0"/>
+          <a:chExt cx="0" cy="0"/>
+        </a:xfrm>
+      </p:grpSpPr>
+      <p:sp>
+        <p:nvSpPr>
+          <p:cNvPr id="3" name="Содержимое 2"/>
+          <p:cNvSpPr>
+            <a:spLocks noGrp="1"/>
+          </p:cNvSpPr>
+          <p:nvPr>
+            <p:ph idx="1"/>
+          </p:nvPr>
+        </p:nvSpPr>
+        <p:spPr/>
+        <p:txBody>
+          <a:bodyPr>
+            <a:normAutofit/>
+          </a:bodyPr>
+          <a:lstStyle/>
+          <a:p>
+            <a:r>
+              <a:rPr lang="ru-RU" dirty="0" smtClean="0"/>
+              <a:t>Генерация данных(объемное тестирование)</a:t>
+            </a:r>
+          </a:p>
+          <a:p>
+            <a:r>
+              <a:rPr lang="ru-RU" dirty="0" smtClean="0"/>
+              <a:t>Конфигурационное тестирование</a:t>
+            </a:r>
+          </a:p>
+          <a:p>
+            <a:r>
+              <a:rPr lang="ru-RU" dirty="0" smtClean="0"/>
+              <a:t>Тестирование на отказ и восстановление</a:t>
+            </a:r>
+          </a:p>
+        </p:txBody>
+      </p:sp>
+      <p:sp>
+        <p:nvSpPr>
+          <p:cNvPr id="2" name="Заголовок 1"/>
+          <p:cNvSpPr>
+            <a:spLocks noGrp="1"/>
+          </p:cNvSpPr>
+          <p:nvPr>
+            <p:ph type="title"/>
+          </p:nvPr>
+        </p:nvSpPr>
+        <p:spPr/>
+        <p:txBody>
+          <a:bodyPr>
+            <a:noAutofit/>
+          </a:bodyPr>
+          <a:lstStyle/>
+          <a:p>
+            <a:r>
+              <a:rPr lang="ru-RU" sz="2400" dirty="0" smtClean="0"/>
+              <a:t>Что еще можно делать?</a:t>
+            </a:r>
+            <a:endParaRPr lang="ru-RU" sz="2400" dirty="0"/>
+          </a:p>
+        </p:txBody>
+      </p:sp>
+    </p:spTree>
+  </p:cSld>
+  <p:clrMapOvr>
+    <a:masterClrMapping/>
+  </p:clrMapOvr>
+</p:sld>
+</file>
+
+<file path=ppt/slides/slide9.xml><?xml version="1.0" encoding="utf-8"?>
+<p:sld xmlns:a="http://schemas.openxmlformats.org/drawingml/2006/main" xmlns:r="http://schemas.openxmlformats.org/officeDocument/2006/relationships" xmlns:p="http://schemas.openxmlformats.org/presentationml/2006/main">
+  <p:cSld>
+    <p:spTree>
+      <p:nvGrpSpPr>
+        <p:cNvPr id="1" name=""/>
+        <p:cNvGrpSpPr/>
+        <p:nvPr/>
+      </p:nvGrpSpPr>
+      <p:grpSpPr>
+        <a:xfrm>
+          <a:off x="0" y="0"/>
+          <a:ext cx="0" cy="0"/>
+          <a:chOff x="0" y="0"/>
+          <a:chExt cx="0" cy="0"/>
+        </a:xfrm>
+      </p:grpSpPr>
+      <p:sp>
+        <p:nvSpPr>
+          <p:cNvPr id="5" name="Содержимое 4"/>
+          <p:cNvSpPr>
+            <a:spLocks noGrp="1"/>
+          </p:cNvSpPr>
+          <p:nvPr>
+            <p:ph idx="1"/>
+          </p:nvPr>
+        </p:nvSpPr>
+        <p:spPr/>
+        <p:txBody>
+          <a:bodyPr/>
+          <a:lstStyle/>
+          <a:p>
+            <a:endParaRPr lang="ru-RU" dirty="0"/>
+          </a:p>
+        </p:txBody>
+      </p:sp>
+      <p:sp>
+        <p:nvSpPr>
+          <p:cNvPr id="3" name="Заголовок 2"/>
+          <p:cNvSpPr>
+            <a:spLocks noGrp="1"/>
+          </p:cNvSpPr>
+          <p:nvPr>
+            <p:ph type="title"/>
+          </p:nvPr>
+        </p:nvSpPr>
+        <p:spPr/>
+        <p:txBody>
+          <a:bodyPr/>
+          <a:lstStyle/>
+          <a:p>
+            <a:r>
+              <a:rPr lang="ru-RU" dirty="0" smtClean="0"/>
+              <a:t>Обсуждение, вопросы</a:t>
             </a:r>
             <a:endParaRPr lang="ru-RU" dirty="0"/>
           </a:p>
